--- a/cameraready/spotlight presentation/335.pptx
+++ b/cameraready/spotlight presentation/335.pptx
@@ -6,7 +6,7 @@
   </p:sldMasterIdLst>
   <p:sldIdLst>
     <p:sldId id="256" r:id="rId2"/>
-    <p:sldId id="257" r:id="rId3"/>
+    <p:sldId id="258" r:id="rId3"/>
   </p:sldIdLst>
   <p:sldSz cx="9144000" cy="6858000" type="screen4x3"/>
   <p:notesSz cx="6858000" cy="9144000"/>
@@ -105,6 +105,22 @@
       </a:defRPr>
     </a:lvl9pPr>
   </p:defaultTextStyle>
+  <p:extLst>
+    <p:ext uri="{EFAFB233-063F-42B5-8137-9DF3F51BA10A}">
+      <p15:sldGuideLst xmlns:p15="http://schemas.microsoft.com/office/powerpoint/2012/main">
+        <p15:guide id="1" orient="horz" pos="2160">
+          <p15:clr>
+            <a:srgbClr val="A4A3A4"/>
+          </p15:clr>
+        </p15:guide>
+        <p15:guide id="2" pos="2880">
+          <p15:clr>
+            <a:srgbClr val="A4A3A4"/>
+          </p15:clr>
+        </p15:guide>
+      </p15:sldGuideLst>
+    </p:ext>
+  </p:extLst>
 </p:presentation>
 </file>
 
@@ -146,10 +162,9 @@
           <a:lstStyle/>
           <a:p>
             <a:r>
-              <a:rPr lang="zh-CN" altLang="en-US" smtClean="0"/>
+              <a:rPr lang="zh-CN" altLang="en-US"/>
               <a:t>单击此处编辑母版标题样式</a:t>
             </a:r>
-            <a:endParaRPr lang="zh-CN" altLang="en-US"/>
           </a:p>
         </p:txBody>
       </p:sp>
@@ -265,10 +280,9 @@
           </a:lstStyle>
           <a:p>
             <a:r>
-              <a:rPr lang="zh-CN" altLang="en-US" smtClean="0"/>
+              <a:rPr lang="zh-CN" altLang="en-US"/>
               <a:t>单击此处编辑母版副标题样式</a:t>
             </a:r>
-            <a:endParaRPr lang="zh-CN" altLang="en-US"/>
           </a:p>
         </p:txBody>
       </p:sp>
@@ -380,10 +394,9 @@
           <a:lstStyle/>
           <a:p>
             <a:r>
-              <a:rPr lang="zh-CN" altLang="en-US" smtClean="0"/>
+              <a:rPr lang="zh-CN" altLang="en-US"/>
               <a:t>单击此处编辑母版标题样式</a:t>
             </a:r>
-            <a:endParaRPr lang="zh-CN" altLang="en-US"/>
           </a:p>
         </p:txBody>
       </p:sp>
@@ -404,38 +417,37 @@
           <a:p>
             <a:pPr lvl="0"/>
             <a:r>
-              <a:rPr lang="zh-CN" altLang="en-US" smtClean="0"/>
+              <a:rPr lang="zh-CN" altLang="en-US"/>
               <a:t>单击此处编辑母版文本样式</a:t>
             </a:r>
           </a:p>
           <a:p>
             <a:pPr lvl="1"/>
             <a:r>
-              <a:rPr lang="zh-CN" altLang="en-US" smtClean="0"/>
+              <a:rPr lang="zh-CN" altLang="en-US"/>
               <a:t>第二级</a:t>
             </a:r>
           </a:p>
           <a:p>
             <a:pPr lvl="2"/>
             <a:r>
-              <a:rPr lang="zh-CN" altLang="en-US" smtClean="0"/>
+              <a:rPr lang="zh-CN" altLang="en-US"/>
               <a:t>第三级</a:t>
             </a:r>
           </a:p>
           <a:p>
             <a:pPr lvl="3"/>
             <a:r>
-              <a:rPr lang="zh-CN" altLang="en-US" smtClean="0"/>
+              <a:rPr lang="zh-CN" altLang="en-US"/>
               <a:t>第四级</a:t>
             </a:r>
           </a:p>
           <a:p>
             <a:pPr lvl="4"/>
             <a:r>
-              <a:rPr lang="zh-CN" altLang="en-US" smtClean="0"/>
+              <a:rPr lang="zh-CN" altLang="en-US"/>
               <a:t>第五级</a:t>
             </a:r>
-            <a:endParaRPr lang="zh-CN" altLang="en-US"/>
           </a:p>
         </p:txBody>
       </p:sp>
@@ -552,10 +564,9 @@
           <a:lstStyle/>
           <a:p>
             <a:r>
-              <a:rPr lang="zh-CN" altLang="en-US" smtClean="0"/>
+              <a:rPr lang="zh-CN" altLang="en-US"/>
               <a:t>单击此处编辑母版标题样式</a:t>
             </a:r>
-            <a:endParaRPr lang="zh-CN" altLang="en-US"/>
           </a:p>
         </p:txBody>
       </p:sp>
@@ -581,38 +592,37 @@
           <a:p>
             <a:pPr lvl="0"/>
             <a:r>
-              <a:rPr lang="zh-CN" altLang="en-US" smtClean="0"/>
+              <a:rPr lang="zh-CN" altLang="en-US"/>
               <a:t>单击此处编辑母版文本样式</a:t>
             </a:r>
           </a:p>
           <a:p>
             <a:pPr lvl="1"/>
             <a:r>
-              <a:rPr lang="zh-CN" altLang="en-US" smtClean="0"/>
+              <a:rPr lang="zh-CN" altLang="en-US"/>
               <a:t>第二级</a:t>
             </a:r>
           </a:p>
           <a:p>
             <a:pPr lvl="2"/>
             <a:r>
-              <a:rPr lang="zh-CN" altLang="en-US" smtClean="0"/>
+              <a:rPr lang="zh-CN" altLang="en-US"/>
               <a:t>第三级</a:t>
             </a:r>
           </a:p>
           <a:p>
             <a:pPr lvl="3"/>
             <a:r>
-              <a:rPr lang="zh-CN" altLang="en-US" smtClean="0"/>
+              <a:rPr lang="zh-CN" altLang="en-US"/>
               <a:t>第四级</a:t>
             </a:r>
           </a:p>
           <a:p>
             <a:pPr lvl="4"/>
             <a:r>
-              <a:rPr lang="zh-CN" altLang="en-US" smtClean="0"/>
+              <a:rPr lang="zh-CN" altLang="en-US"/>
               <a:t>第五级</a:t>
             </a:r>
-            <a:endParaRPr lang="zh-CN" altLang="en-US"/>
           </a:p>
         </p:txBody>
       </p:sp>
@@ -724,10 +734,9 @@
           <a:lstStyle/>
           <a:p>
             <a:r>
-              <a:rPr lang="zh-CN" altLang="en-US" smtClean="0"/>
+              <a:rPr lang="zh-CN" altLang="en-US"/>
               <a:t>单击此处编辑母版标题样式</a:t>
             </a:r>
-            <a:endParaRPr lang="zh-CN" altLang="en-US"/>
           </a:p>
         </p:txBody>
       </p:sp>
@@ -748,38 +757,37 @@
           <a:p>
             <a:pPr lvl="0"/>
             <a:r>
-              <a:rPr lang="zh-CN" altLang="en-US" smtClean="0"/>
+              <a:rPr lang="zh-CN" altLang="en-US"/>
               <a:t>单击此处编辑母版文本样式</a:t>
             </a:r>
           </a:p>
           <a:p>
             <a:pPr lvl="1"/>
             <a:r>
-              <a:rPr lang="zh-CN" altLang="en-US" smtClean="0"/>
+              <a:rPr lang="zh-CN" altLang="en-US"/>
               <a:t>第二级</a:t>
             </a:r>
           </a:p>
           <a:p>
             <a:pPr lvl="2"/>
             <a:r>
-              <a:rPr lang="zh-CN" altLang="en-US" smtClean="0"/>
+              <a:rPr lang="zh-CN" altLang="en-US"/>
               <a:t>第三级</a:t>
             </a:r>
           </a:p>
           <a:p>
             <a:pPr lvl="3"/>
             <a:r>
-              <a:rPr lang="zh-CN" altLang="en-US" smtClean="0"/>
+              <a:rPr lang="zh-CN" altLang="en-US"/>
               <a:t>第四级</a:t>
             </a:r>
           </a:p>
           <a:p>
             <a:pPr lvl="4"/>
             <a:r>
-              <a:rPr lang="zh-CN" altLang="en-US" smtClean="0"/>
+              <a:rPr lang="zh-CN" altLang="en-US"/>
               <a:t>第五级</a:t>
             </a:r>
-            <a:endParaRPr lang="zh-CN" altLang="en-US"/>
           </a:p>
         </p:txBody>
       </p:sp>
@@ -900,10 +908,9 @@
           </a:lstStyle>
           <a:p>
             <a:r>
-              <a:rPr lang="zh-CN" altLang="en-US" smtClean="0"/>
+              <a:rPr lang="zh-CN" altLang="en-US"/>
               <a:t>单击此处编辑母版标题样式</a:t>
             </a:r>
-            <a:endParaRPr lang="zh-CN" altLang="en-US"/>
           </a:p>
         </p:txBody>
       </p:sp>
@@ -1020,7 +1027,7 @@
           <a:p>
             <a:pPr lvl="0"/>
             <a:r>
-              <a:rPr lang="zh-CN" altLang="en-US" smtClean="0"/>
+              <a:rPr lang="zh-CN" altLang="en-US"/>
               <a:t>单击此处编辑母版文本样式</a:t>
             </a:r>
           </a:p>
@@ -1134,10 +1141,9 @@
           <a:lstStyle/>
           <a:p>
             <a:r>
-              <a:rPr lang="zh-CN" altLang="en-US" smtClean="0"/>
+              <a:rPr lang="zh-CN" altLang="en-US"/>
               <a:t>单击此处编辑母版标题样式</a:t>
             </a:r>
-            <a:endParaRPr lang="zh-CN" altLang="en-US"/>
           </a:p>
         </p:txBody>
       </p:sp>
@@ -1191,38 +1197,37 @@
           <a:p>
             <a:pPr lvl="0"/>
             <a:r>
-              <a:rPr lang="zh-CN" altLang="en-US" smtClean="0"/>
+              <a:rPr lang="zh-CN" altLang="en-US"/>
               <a:t>单击此处编辑母版文本样式</a:t>
             </a:r>
           </a:p>
           <a:p>
             <a:pPr lvl="1"/>
             <a:r>
-              <a:rPr lang="zh-CN" altLang="en-US" smtClean="0"/>
+              <a:rPr lang="zh-CN" altLang="en-US"/>
               <a:t>第二级</a:t>
             </a:r>
           </a:p>
           <a:p>
             <a:pPr lvl="2"/>
             <a:r>
-              <a:rPr lang="zh-CN" altLang="en-US" smtClean="0"/>
+              <a:rPr lang="zh-CN" altLang="en-US"/>
               <a:t>第三级</a:t>
             </a:r>
           </a:p>
           <a:p>
             <a:pPr lvl="3"/>
             <a:r>
-              <a:rPr lang="zh-CN" altLang="en-US" smtClean="0"/>
+              <a:rPr lang="zh-CN" altLang="en-US"/>
               <a:t>第四级</a:t>
             </a:r>
           </a:p>
           <a:p>
             <a:pPr lvl="4"/>
             <a:r>
-              <a:rPr lang="zh-CN" altLang="en-US" smtClean="0"/>
+              <a:rPr lang="zh-CN" altLang="en-US"/>
               <a:t>第五级</a:t>
             </a:r>
-            <a:endParaRPr lang="zh-CN" altLang="en-US"/>
           </a:p>
         </p:txBody>
       </p:sp>
@@ -1276,38 +1281,37 @@
           <a:p>
             <a:pPr lvl="0"/>
             <a:r>
-              <a:rPr lang="zh-CN" altLang="en-US" smtClean="0"/>
+              <a:rPr lang="zh-CN" altLang="en-US"/>
               <a:t>单击此处编辑母版文本样式</a:t>
             </a:r>
           </a:p>
           <a:p>
             <a:pPr lvl="1"/>
             <a:r>
-              <a:rPr lang="zh-CN" altLang="en-US" smtClean="0"/>
+              <a:rPr lang="zh-CN" altLang="en-US"/>
               <a:t>第二级</a:t>
             </a:r>
           </a:p>
           <a:p>
             <a:pPr lvl="2"/>
             <a:r>
-              <a:rPr lang="zh-CN" altLang="en-US" smtClean="0"/>
+              <a:rPr lang="zh-CN" altLang="en-US"/>
               <a:t>第三级</a:t>
             </a:r>
           </a:p>
           <a:p>
             <a:pPr lvl="3"/>
             <a:r>
-              <a:rPr lang="zh-CN" altLang="en-US" smtClean="0"/>
+              <a:rPr lang="zh-CN" altLang="en-US"/>
               <a:t>第四级</a:t>
             </a:r>
           </a:p>
           <a:p>
             <a:pPr lvl="4"/>
             <a:r>
-              <a:rPr lang="zh-CN" altLang="en-US" smtClean="0"/>
+              <a:rPr lang="zh-CN" altLang="en-US"/>
               <a:t>第五级</a:t>
             </a:r>
-            <a:endParaRPr lang="zh-CN" altLang="en-US"/>
           </a:p>
         </p:txBody>
       </p:sp>
@@ -1423,10 +1427,9 @@
           </a:lstStyle>
           <a:p>
             <a:r>
-              <a:rPr lang="zh-CN" altLang="en-US" smtClean="0"/>
+              <a:rPr lang="zh-CN" altLang="en-US"/>
               <a:t>单击此处编辑母版标题样式</a:t>
             </a:r>
-            <a:endParaRPr lang="zh-CN" altLang="en-US"/>
           </a:p>
         </p:txBody>
       </p:sp>
@@ -1489,7 +1492,7 @@
           <a:p>
             <a:pPr lvl="0"/>
             <a:r>
-              <a:rPr lang="zh-CN" altLang="en-US" smtClean="0"/>
+              <a:rPr lang="zh-CN" altLang="en-US"/>
               <a:t>单击此处编辑母版文本样式</a:t>
             </a:r>
           </a:p>
@@ -1545,38 +1548,37 @@
           <a:p>
             <a:pPr lvl="0"/>
             <a:r>
-              <a:rPr lang="zh-CN" altLang="en-US" smtClean="0"/>
+              <a:rPr lang="zh-CN" altLang="en-US"/>
               <a:t>单击此处编辑母版文本样式</a:t>
             </a:r>
           </a:p>
           <a:p>
             <a:pPr lvl="1"/>
             <a:r>
-              <a:rPr lang="zh-CN" altLang="en-US" smtClean="0"/>
+              <a:rPr lang="zh-CN" altLang="en-US"/>
               <a:t>第二级</a:t>
             </a:r>
           </a:p>
           <a:p>
             <a:pPr lvl="2"/>
             <a:r>
-              <a:rPr lang="zh-CN" altLang="en-US" smtClean="0"/>
+              <a:rPr lang="zh-CN" altLang="en-US"/>
               <a:t>第三级</a:t>
             </a:r>
           </a:p>
           <a:p>
             <a:pPr lvl="3"/>
             <a:r>
-              <a:rPr lang="zh-CN" altLang="en-US" smtClean="0"/>
+              <a:rPr lang="zh-CN" altLang="en-US"/>
               <a:t>第四级</a:t>
             </a:r>
           </a:p>
           <a:p>
             <a:pPr lvl="4"/>
             <a:r>
-              <a:rPr lang="zh-CN" altLang="en-US" smtClean="0"/>
+              <a:rPr lang="zh-CN" altLang="en-US"/>
               <a:t>第五级</a:t>
             </a:r>
-            <a:endParaRPr lang="zh-CN" altLang="en-US"/>
           </a:p>
         </p:txBody>
       </p:sp>
@@ -1639,7 +1641,7 @@
           <a:p>
             <a:pPr lvl="0"/>
             <a:r>
-              <a:rPr lang="zh-CN" altLang="en-US" smtClean="0"/>
+              <a:rPr lang="zh-CN" altLang="en-US"/>
               <a:t>单击此处编辑母版文本样式</a:t>
             </a:r>
           </a:p>
@@ -1695,38 +1697,37 @@
           <a:p>
             <a:pPr lvl="0"/>
             <a:r>
-              <a:rPr lang="zh-CN" altLang="en-US" smtClean="0"/>
+              <a:rPr lang="zh-CN" altLang="en-US"/>
               <a:t>单击此处编辑母版文本样式</a:t>
             </a:r>
           </a:p>
           <a:p>
             <a:pPr lvl="1"/>
             <a:r>
-              <a:rPr lang="zh-CN" altLang="en-US" smtClean="0"/>
+              <a:rPr lang="zh-CN" altLang="en-US"/>
               <a:t>第二级</a:t>
             </a:r>
           </a:p>
           <a:p>
             <a:pPr lvl="2"/>
             <a:r>
-              <a:rPr lang="zh-CN" altLang="en-US" smtClean="0"/>
+              <a:rPr lang="zh-CN" altLang="en-US"/>
               <a:t>第三级</a:t>
             </a:r>
           </a:p>
           <a:p>
             <a:pPr lvl="3"/>
             <a:r>
-              <a:rPr lang="zh-CN" altLang="en-US" smtClean="0"/>
+              <a:rPr lang="zh-CN" altLang="en-US"/>
               <a:t>第四级</a:t>
             </a:r>
           </a:p>
           <a:p>
             <a:pPr lvl="4"/>
             <a:r>
-              <a:rPr lang="zh-CN" altLang="en-US" smtClean="0"/>
+              <a:rPr lang="zh-CN" altLang="en-US"/>
               <a:t>第五级</a:t>
             </a:r>
-            <a:endParaRPr lang="zh-CN" altLang="en-US"/>
           </a:p>
         </p:txBody>
       </p:sp>
@@ -1838,10 +1839,9 @@
           <a:lstStyle/>
           <a:p>
             <a:r>
-              <a:rPr lang="zh-CN" altLang="en-US" smtClean="0"/>
+              <a:rPr lang="zh-CN" altLang="en-US"/>
               <a:t>单击此处编辑母版标题样式</a:t>
             </a:r>
-            <a:endParaRPr lang="zh-CN" altLang="en-US"/>
           </a:p>
         </p:txBody>
       </p:sp>
@@ -2054,10 +2054,9 @@
           </a:lstStyle>
           <a:p>
             <a:r>
-              <a:rPr lang="zh-CN" altLang="en-US" smtClean="0"/>
+              <a:rPr lang="zh-CN" altLang="en-US"/>
               <a:t>单击此处编辑母版标题样式</a:t>
             </a:r>
-            <a:endParaRPr lang="zh-CN" altLang="en-US"/>
           </a:p>
         </p:txBody>
       </p:sp>
@@ -2111,38 +2110,37 @@
           <a:p>
             <a:pPr lvl="0"/>
             <a:r>
-              <a:rPr lang="zh-CN" altLang="en-US" smtClean="0"/>
+              <a:rPr lang="zh-CN" altLang="en-US"/>
               <a:t>单击此处编辑母版文本样式</a:t>
             </a:r>
           </a:p>
           <a:p>
             <a:pPr lvl="1"/>
             <a:r>
-              <a:rPr lang="zh-CN" altLang="en-US" smtClean="0"/>
+              <a:rPr lang="zh-CN" altLang="en-US"/>
               <a:t>第二级</a:t>
             </a:r>
           </a:p>
           <a:p>
             <a:pPr lvl="2"/>
             <a:r>
-              <a:rPr lang="zh-CN" altLang="en-US" smtClean="0"/>
+              <a:rPr lang="zh-CN" altLang="en-US"/>
               <a:t>第三级</a:t>
             </a:r>
           </a:p>
           <a:p>
             <a:pPr lvl="3"/>
             <a:r>
-              <a:rPr lang="zh-CN" altLang="en-US" smtClean="0"/>
+              <a:rPr lang="zh-CN" altLang="en-US"/>
               <a:t>第四级</a:t>
             </a:r>
           </a:p>
           <a:p>
             <a:pPr lvl="4"/>
             <a:r>
-              <a:rPr lang="zh-CN" altLang="en-US" smtClean="0"/>
+              <a:rPr lang="zh-CN" altLang="en-US"/>
               <a:t>第五级</a:t>
             </a:r>
-            <a:endParaRPr lang="zh-CN" altLang="en-US"/>
           </a:p>
         </p:txBody>
       </p:sp>
@@ -2205,7 +2203,7 @@
           <a:p>
             <a:pPr lvl="0"/>
             <a:r>
-              <a:rPr lang="zh-CN" altLang="en-US" smtClean="0"/>
+              <a:rPr lang="zh-CN" altLang="en-US"/>
               <a:t>单击此处编辑母版文本样式</a:t>
             </a:r>
           </a:p>
@@ -2328,10 +2326,9 @@
           </a:lstStyle>
           <a:p>
             <a:r>
-              <a:rPr lang="zh-CN" altLang="en-US" smtClean="0"/>
+              <a:rPr lang="zh-CN" altLang="en-US"/>
               <a:t>单击此处编辑母版标题样式</a:t>
             </a:r>
-            <a:endParaRPr lang="zh-CN" altLang="en-US"/>
           </a:p>
         </p:txBody>
       </p:sp>
@@ -2455,7 +2452,7 @@
           <a:p>
             <a:pPr lvl="0"/>
             <a:r>
-              <a:rPr lang="zh-CN" altLang="en-US" smtClean="0"/>
+              <a:rPr lang="zh-CN" altLang="en-US"/>
               <a:t>单击此处编辑母版文本样式</a:t>
             </a:r>
           </a:p>
@@ -2584,10 +2581,9 @@
           <a:lstStyle/>
           <a:p>
             <a:r>
-              <a:rPr lang="zh-CN" altLang="en-US" smtClean="0"/>
+              <a:rPr lang="zh-CN" altLang="en-US"/>
               <a:t>单击此处编辑母版标题样式</a:t>
             </a:r>
-            <a:endParaRPr lang="zh-CN" altLang="en-US"/>
           </a:p>
         </p:txBody>
       </p:sp>
@@ -2618,38 +2614,37 @@
           <a:p>
             <a:pPr lvl="0"/>
             <a:r>
-              <a:rPr lang="zh-CN" altLang="en-US" smtClean="0"/>
+              <a:rPr lang="zh-CN" altLang="en-US"/>
               <a:t>单击此处编辑母版文本样式</a:t>
             </a:r>
           </a:p>
           <a:p>
             <a:pPr lvl="1"/>
             <a:r>
-              <a:rPr lang="zh-CN" altLang="en-US" smtClean="0"/>
+              <a:rPr lang="zh-CN" altLang="en-US"/>
               <a:t>第二级</a:t>
             </a:r>
           </a:p>
           <a:p>
             <a:pPr lvl="2"/>
             <a:r>
-              <a:rPr lang="zh-CN" altLang="en-US" smtClean="0"/>
+              <a:rPr lang="zh-CN" altLang="en-US"/>
               <a:t>第三级</a:t>
             </a:r>
           </a:p>
           <a:p>
             <a:pPr lvl="3"/>
             <a:r>
-              <a:rPr lang="zh-CN" altLang="en-US" smtClean="0"/>
+              <a:rPr lang="zh-CN" altLang="en-US"/>
               <a:t>第四级</a:t>
             </a:r>
           </a:p>
           <a:p>
             <a:pPr lvl="4"/>
             <a:r>
-              <a:rPr lang="zh-CN" altLang="en-US" smtClean="0"/>
+              <a:rPr lang="zh-CN" altLang="en-US"/>
               <a:t>第五级</a:t>
             </a:r>
-            <a:endParaRPr lang="zh-CN" altLang="en-US"/>
           </a:p>
         </p:txBody>
       </p:sp>
@@ -3060,42 +3055,19 @@
           <a:chExt cx="0" cy="0"/>
         </a:xfrm>
       </p:grpSpPr>
-      <p:pic>
-        <p:nvPicPr>
-          <p:cNvPr id="11" name="内容占位符 10" descr="pic2.png"/>
-          <p:cNvPicPr>
-            <a:picLocks noGrp="1" noChangeAspect="1"/>
-          </p:cNvPicPr>
-          <p:nvPr>
-            <p:ph sz="half" idx="2"/>
-          </p:nvPr>
-        </p:nvPicPr>
-        <p:blipFill>
-          <a:blip r:embed="rId2" cstate="print"/>
-          <a:stretch>
-            <a:fillRect/>
-          </a:stretch>
-        </p:blipFill>
+      <p:sp>
+        <p:nvSpPr>
+          <p:cNvPr id="5" name="文本占位符 4"/>
+          <p:cNvSpPr>
+            <a:spLocks noGrp="1"/>
+          </p:cNvSpPr>
+          <p:nvPr>
+            <p:ph type="body" idx="1"/>
+          </p:nvPr>
+        </p:nvSpPr>
         <p:spPr>
           <a:xfrm>
-            <a:off x="5652120" y="2276872"/>
-            <a:ext cx="2218275" cy="1080000"/>
-          </a:xfrm>
-        </p:spPr>
-      </p:pic>
-      <p:sp>
-        <p:nvSpPr>
-          <p:cNvPr id="5" name="文本占位符 4"/>
-          <p:cNvSpPr>
-            <a:spLocks noGrp="1"/>
-          </p:cNvSpPr>
-          <p:nvPr>
-            <p:ph type="body" idx="1"/>
-          </p:nvPr>
-        </p:nvSpPr>
-        <p:spPr>
-          <a:xfrm>
-            <a:off x="1619672" y="2996952"/>
+            <a:off x="1611930" y="3172772"/>
             <a:ext cx="4040188" cy="423738"/>
           </a:xfrm>
         </p:spPr>
@@ -3106,7 +3078,7 @@
           <a:lstStyle/>
           <a:p>
             <a:r>
-              <a:rPr lang="en-US" altLang="zh-CN" dirty="0" smtClean="0">
+              <a:rPr lang="en-US" altLang="zh-CN" dirty="0">
                 <a:solidFill>
                   <a:srgbClr val="7030A0"/>
                 </a:solidFill>
@@ -3133,7 +3105,7 @@
         </p:nvSpPr>
         <p:spPr>
           <a:xfrm>
-            <a:off x="1682353" y="4221088"/>
+            <a:off x="1611930" y="5525542"/>
             <a:ext cx="4041775" cy="423738"/>
           </a:xfrm>
         </p:spPr>
@@ -3144,7 +3116,7 @@
           <a:lstStyle/>
           <a:p>
             <a:r>
-              <a:rPr lang="en-US" altLang="zh-CN" dirty="0" smtClean="0">
+              <a:rPr lang="en-US" altLang="zh-CN" dirty="0">
                 <a:solidFill>
                   <a:srgbClr val="7030A0"/>
                 </a:solidFill>
@@ -3159,29 +3131,6 @@
           </a:p>
         </p:txBody>
       </p:sp>
-      <p:pic>
-        <p:nvPicPr>
-          <p:cNvPr id="12" name="内容占位符 11" descr="pic1.png"/>
-          <p:cNvPicPr>
-            <a:picLocks noGrp="1" noChangeAspect="1"/>
-          </p:cNvPicPr>
-          <p:nvPr>
-            <p:ph sz="quarter" idx="4"/>
-          </p:nvPr>
-        </p:nvPicPr>
-        <p:blipFill>
-          <a:blip r:embed="rId3" cstate="print"/>
-          <a:stretch>
-            <a:fillRect/>
-          </a:stretch>
-        </p:blipFill>
-        <p:spPr>
-          <a:xfrm>
-            <a:off x="5652120" y="2276872"/>
-            <a:ext cx="2218273" cy="1080000"/>
-          </a:xfrm>
-        </p:spPr>
-      </p:pic>
       <p:sp>
         <p:nvSpPr>
           <p:cNvPr id="6" name="文本占位符 4"/>
@@ -3193,7 +3142,7 @@
         <p:spPr>
           <a:xfrm>
             <a:off x="0" y="2132856"/>
-            <a:ext cx="8604448" cy="639762"/>
+            <a:ext cx="9396536" cy="865210"/>
           </a:xfrm>
           <a:prstGeom prst="rect">
             <a:avLst/>
@@ -3201,7 +3150,7 @@
         </p:spPr>
         <p:txBody>
           <a:bodyPr vert="horz" lIns="91440" tIns="45720" rIns="91440" bIns="45720" rtlCol="0" anchor="b">
-            <a:normAutofit fontScale="77500" lnSpcReduction="20000"/>
+            <a:normAutofit lnSpcReduction="10000"/>
           </a:bodyPr>
           <a:lstStyle/>
           <a:p>
@@ -3211,11 +3160,11 @@
               </a:spcBef>
             </a:pPr>
             <a:r>
-              <a:rPr lang="en-US" altLang="zh-CN" sz="2400" b="1" dirty="0" smtClean="0"/>
+              <a:rPr lang="en-US" altLang="zh-CN" sz="2400" b="1" dirty="0"/>
               <a:t>□Research </a:t>
             </a:r>
             <a:r>
-              <a:rPr kumimoji="0" lang="en-US" altLang="zh-CN" sz="2400" b="1" i="0" u="none" strike="noStrike" kern="1200" cap="none" spc="0" normalizeH="0" baseline="0" noProof="0" dirty="0" smtClean="0">
+              <a:rPr kumimoji="0" lang="en-US" altLang="zh-CN" sz="2400" b="1" i="0" u="none" strike="noStrike" kern="1200" cap="none" spc="0" normalizeH="0" baseline="0" noProof="0" dirty="0">
                 <a:ln>
                   <a:noFill/>
                 </a:ln>
@@ -3229,29 +3178,17 @@
                 <a:ea typeface="+mn-ea"/>
                 <a:cs typeface="+mn-cs"/>
               </a:rPr>
-              <a:t>Question 1</a:t>
-            </a:r>
-          </a:p>
-          <a:p>
-            <a:pPr marL="0" marR="0" lvl="0" indent="0" algn="l" defTabSz="914400" rtl="0" eaLnBrk="1" fontAlgn="auto" latinLnBrk="0" hangingPunct="1">
-              <a:lnSpc>
-                <a:spcPct val="100000"/>
-              </a:lnSpc>
+              <a:t>Question1: </a:t>
+            </a:r>
+          </a:p>
+          <a:p>
+            <a:pPr lvl="0">
               <a:spcBef>
                 <a:spcPct val="20000"/>
               </a:spcBef>
-              <a:spcAft>
-                <a:spcPts val="0"/>
-              </a:spcAft>
-              <a:buClrTx/>
-              <a:buSzTx/>
-              <a:buFont typeface="Arial" pitchFamily="34" charset="0"/>
-              <a:buNone/>
-              <a:tabLst/>
-              <a:defRPr/>
             </a:pPr>
             <a:r>
-              <a:rPr kumimoji="0" lang="en-US" altLang="zh-CN" sz="2400" b="1" i="0" u="none" strike="noStrike" kern="1200" cap="none" spc="0" normalizeH="0" noProof="0" dirty="0" smtClean="0">
+              <a:rPr kumimoji="0" lang="en-US" altLang="zh-CN" sz="2400" b="1" i="0" u="none" strike="noStrike" kern="1200" cap="none" spc="0" normalizeH="0" noProof="0" dirty="0">
                 <a:ln>
                   <a:noFill/>
                 </a:ln>
@@ -3265,7 +3202,7 @@
                 <a:ea typeface="+mn-ea"/>
                 <a:cs typeface="+mn-cs"/>
               </a:rPr>
-              <a:t>How do we explain existing recommendation models?</a:t>
+              <a:t>How do we explain existing recommendation models psychologically?</a:t>
             </a:r>
             <a:endParaRPr kumimoji="0" lang="zh-CN" altLang="en-US" sz="2400" b="1" i="0" u="none" strike="noStrike" kern="1200" cap="none" spc="0" normalizeH="0" baseline="0" noProof="0" dirty="0">
               <a:ln>
@@ -3284,32 +3221,6 @@
           </a:p>
         </p:txBody>
       </p:sp>
-      <p:pic>
-        <p:nvPicPr>
-          <p:cNvPr id="1026" name="Picture 2" descr="D:\MyResearch\MyManuscripts\0Psychological\0Psychological\cameraready\spotlight presentation\AAAI.png"/>
-          <p:cNvPicPr>
-            <a:picLocks noChangeAspect="1" noChangeArrowheads="1"/>
-          </p:cNvPicPr>
-          <p:nvPr/>
-        </p:nvPicPr>
-        <p:blipFill>
-          <a:blip r:embed="rId4" cstate="print"/>
-          <a:srcRect/>
-          <a:stretch>
-            <a:fillRect/>
-          </a:stretch>
-        </p:blipFill>
-        <p:spPr bwMode="auto">
-          <a:xfrm>
-            <a:off x="0" y="0"/>
-            <a:ext cx="9144000" cy="2116667"/>
-          </a:xfrm>
-          <a:prstGeom prst="rect">
-            <a:avLst/>
-          </a:prstGeom>
-          <a:noFill/>
-        </p:spPr>
-      </p:pic>
       <p:sp>
         <p:nvSpPr>
           <p:cNvPr id="8" name="文本占位符 4"/>
@@ -3320,7 +3231,7 @@
         </p:nvSpPr>
         <p:spPr>
           <a:xfrm>
-            <a:off x="251520" y="3429000"/>
+            <a:off x="282002" y="4373414"/>
             <a:ext cx="1152128" cy="639762"/>
           </a:xfrm>
           <a:prstGeom prst="rect">
@@ -3351,7 +3262,7 @@
               <a:defRPr/>
             </a:pPr>
             <a:r>
-              <a:rPr kumimoji="0" lang="en-US" altLang="zh-CN" sz="2400" b="1" i="0" u="none" strike="noStrike" kern="1200" cap="none" spc="0" normalizeH="0" baseline="0" noProof="0" dirty="0" smtClean="0">
+              <a:rPr kumimoji="0" lang="en-US" altLang="zh-CN" sz="2400" b="1" i="0" u="none" strike="noStrike" kern="1200" cap="none" spc="0" normalizeH="0" baseline="0" noProof="0" dirty="0">
                 <a:ln>
                   <a:noFill/>
                 </a:ln>
@@ -3387,7 +3298,7 @@
               <a:defRPr/>
             </a:pPr>
             <a:r>
-              <a:rPr lang="en-US" altLang="zh-CN" sz="2400" b="1" dirty="0" smtClean="0">
+              <a:rPr lang="en-US" altLang="zh-CN" sz="2400" b="1" dirty="0">
                 <a:solidFill>
                   <a:srgbClr val="7030A0"/>
                 </a:solidFill>
@@ -3419,8 +3330,8 @@
         </p:nvSpPr>
         <p:spPr>
           <a:xfrm>
-            <a:off x="1403648" y="3356992"/>
-            <a:ext cx="155448" cy="914400"/>
+            <a:off x="1403648" y="3581326"/>
+            <a:ext cx="155448" cy="2088232"/>
           </a:xfrm>
           <a:prstGeom prst="leftBrace">
             <a:avLst/>
@@ -3455,6 +3366,740 @@
           </a:p>
         </p:txBody>
       </p:sp>
+      <mc:AlternateContent xmlns:mc="http://schemas.openxmlformats.org/markup-compatibility/2006">
+        <mc:Choice xmlns:a14="http://schemas.microsoft.com/office/drawing/2010/main" Requires="a14">
+          <p:sp>
+            <p:nvSpPr>
+              <p:cNvPr id="2" name="文本框 1">
+                <a:extLst>
+                  <a:ext uri="{FF2B5EF4-FFF2-40B4-BE49-F238E27FC236}">
+                    <a16:creationId xmlns:a16="http://schemas.microsoft.com/office/drawing/2014/main" id="{4E27B9FB-12C1-425F-9312-F359BDE18C1C}"/>
+                  </a:ext>
+                </a:extLst>
+              </p:cNvPr>
+              <p:cNvSpPr txBox="1"/>
+              <p:nvPr/>
+            </p:nvSpPr>
+            <p:spPr>
+              <a:xfrm>
+                <a:off x="5071137" y="3210742"/>
+                <a:ext cx="2458109" cy="298415"/>
+              </a:xfrm>
+              <a:prstGeom prst="rect">
+                <a:avLst/>
+              </a:prstGeom>
+              <a:noFill/>
+            </p:spPr>
+            <p:txBody>
+              <a:bodyPr wrap="none" lIns="0" tIns="0" rIns="0" bIns="0" rtlCol="0">
+                <a:spAutoFit/>
+              </a:bodyPr>
+              <a:lstStyle/>
+              <a:p>
+                <a14:m>
+                  <m:oMathPara xmlns:m="http://schemas.openxmlformats.org/officeDocument/2006/math">
+                    <m:oMathParaPr>
+                      <m:jc m:val="centerGroup"/>
+                    </m:oMathParaPr>
+                    <m:oMath xmlns:m="http://schemas.openxmlformats.org/officeDocument/2006/math">
+                      <m:acc>
+                        <m:accPr>
+                          <m:chr m:val="̂"/>
+                          <m:ctrlPr>
+                            <a:rPr lang="en-US" altLang="zh-CN" b="0" i="1" smtClean="0">
+                              <a:latin typeface="Cambria Math" panose="02040503050406030204" pitchFamily="18" charset="0"/>
+                            </a:rPr>
+                          </m:ctrlPr>
+                        </m:accPr>
+                        <m:e>
+                          <m:sSub>
+                            <m:sSubPr>
+                              <m:ctrlPr>
+                                <a:rPr lang="en-US" altLang="zh-CN" b="0" i="1" smtClean="0">
+                                  <a:latin typeface="Cambria Math" panose="02040503050406030204" pitchFamily="18" charset="0"/>
+                                </a:rPr>
+                              </m:ctrlPr>
+                            </m:sSubPr>
+                            <m:e>
+                              <m:r>
+                                <a:rPr lang="en-US" altLang="zh-CN" b="0" i="1" smtClean="0">
+                                  <a:latin typeface="Cambria Math" panose="02040503050406030204" pitchFamily="18" charset="0"/>
+                                </a:rPr>
+                                <m:t>𝑥</m:t>
+                              </m:r>
+                            </m:e>
+                            <m:sub>
+                              <m:r>
+                                <a:rPr lang="en-US" altLang="zh-CN" b="0" i="1" smtClean="0">
+                                  <a:latin typeface="Cambria Math" panose="02040503050406030204" pitchFamily="18" charset="0"/>
+                                </a:rPr>
+                                <m:t>𝑢</m:t>
+                              </m:r>
+                              <m:r>
+                                <a:rPr lang="en-US" altLang="zh-CN" b="0" i="1" smtClean="0">
+                                  <a:latin typeface="Cambria Math" panose="02040503050406030204" pitchFamily="18" charset="0"/>
+                                </a:rPr>
+                                <m:t>,</m:t>
+                              </m:r>
+                              <m:r>
+                                <a:rPr lang="en-US" altLang="zh-CN" b="0" i="1" smtClean="0">
+                                  <a:latin typeface="Cambria Math" panose="02040503050406030204" pitchFamily="18" charset="0"/>
+                                </a:rPr>
+                                <m:t>𝑞</m:t>
+                              </m:r>
+                            </m:sub>
+                          </m:sSub>
+                        </m:e>
+                      </m:acc>
+                      <m:r>
+                        <a:rPr lang="en-US" altLang="zh-CN" b="0" i="1" smtClean="0">
+                          <a:latin typeface="Cambria Math" panose="02040503050406030204" pitchFamily="18" charset="0"/>
+                        </a:rPr>
+                        <m:t>=</m:t>
+                      </m:r>
+                      <m:sSub>
+                        <m:sSubPr>
+                          <m:ctrlPr>
+                            <a:rPr lang="en-US" altLang="zh-CN" b="0" i="1" smtClean="0">
+                              <a:latin typeface="Cambria Math" panose="02040503050406030204" pitchFamily="18" charset="0"/>
+                            </a:rPr>
+                          </m:ctrlPr>
+                        </m:sSubPr>
+                        <m:e>
+                          <m:r>
+                            <a:rPr lang="en-US" altLang="zh-CN" b="0" i="1" smtClean="0">
+                              <a:latin typeface="Cambria Math" panose="02040503050406030204" pitchFamily="18" charset="0"/>
+                            </a:rPr>
+                            <m:t>𝑞</m:t>
+                          </m:r>
+                        </m:e>
+                        <m:sub>
+                          <m:r>
+                            <a:rPr lang="en-US" altLang="zh-CN" b="0" i="1" smtClean="0">
+                              <a:latin typeface="Cambria Math" panose="02040503050406030204" pitchFamily="18" charset="0"/>
+                            </a:rPr>
+                            <m:t>1</m:t>
+                          </m:r>
+                        </m:sub>
+                      </m:sSub>
+                      <m:sSub>
+                        <m:sSubPr>
+                          <m:ctrlPr>
+                            <a:rPr lang="en-US" altLang="zh-CN" b="0" i="1" smtClean="0">
+                              <a:latin typeface="Cambria Math" panose="02040503050406030204" pitchFamily="18" charset="0"/>
+                            </a:rPr>
+                          </m:ctrlPr>
+                        </m:sSubPr>
+                        <m:e>
+                          <m:r>
+                            <a:rPr lang="en-US" altLang="zh-CN" b="0" i="1" smtClean="0">
+                              <a:latin typeface="Cambria Math" panose="02040503050406030204" pitchFamily="18" charset="0"/>
+                            </a:rPr>
+                            <m:t>𝑢</m:t>
+                          </m:r>
+                        </m:e>
+                        <m:sub>
+                          <m:r>
+                            <a:rPr lang="en-US" altLang="zh-CN" b="0" i="1" smtClean="0">
+                              <a:latin typeface="Cambria Math" panose="02040503050406030204" pitchFamily="18" charset="0"/>
+                            </a:rPr>
+                            <m:t>1</m:t>
+                          </m:r>
+                        </m:sub>
+                      </m:sSub>
+                      <m:r>
+                        <a:rPr lang="en-US" altLang="zh-CN" b="0" i="1" smtClean="0">
+                          <a:latin typeface="Cambria Math" panose="02040503050406030204" pitchFamily="18" charset="0"/>
+                        </a:rPr>
+                        <m:t>+⋯+</m:t>
+                      </m:r>
+                      <m:sSub>
+                        <m:sSubPr>
+                          <m:ctrlPr>
+                            <a:rPr lang="en-US" altLang="zh-CN" b="0" i="1" smtClean="0">
+                              <a:latin typeface="Cambria Math" panose="02040503050406030204" pitchFamily="18" charset="0"/>
+                            </a:rPr>
+                          </m:ctrlPr>
+                        </m:sSubPr>
+                        <m:e>
+                          <m:r>
+                            <a:rPr lang="en-US" altLang="zh-CN" b="0" i="1" smtClean="0">
+                              <a:latin typeface="Cambria Math" panose="02040503050406030204" pitchFamily="18" charset="0"/>
+                            </a:rPr>
+                            <m:t>𝑞</m:t>
+                          </m:r>
+                        </m:e>
+                        <m:sub>
+                          <m:r>
+                            <a:rPr lang="en-US" altLang="zh-CN" b="0" i="1" smtClean="0">
+                              <a:latin typeface="Cambria Math" panose="02040503050406030204" pitchFamily="18" charset="0"/>
+                            </a:rPr>
+                            <m:t>𝐾</m:t>
+                          </m:r>
+                        </m:sub>
+                      </m:sSub>
+                      <m:sSub>
+                        <m:sSubPr>
+                          <m:ctrlPr>
+                            <a:rPr lang="en-US" altLang="zh-CN" b="0" i="1" smtClean="0">
+                              <a:latin typeface="Cambria Math" panose="02040503050406030204" pitchFamily="18" charset="0"/>
+                            </a:rPr>
+                          </m:ctrlPr>
+                        </m:sSubPr>
+                        <m:e>
+                          <m:r>
+                            <a:rPr lang="en-US" altLang="zh-CN" b="0" i="1" smtClean="0">
+                              <a:latin typeface="Cambria Math" panose="02040503050406030204" pitchFamily="18" charset="0"/>
+                            </a:rPr>
+                            <m:t>𝑢</m:t>
+                          </m:r>
+                        </m:e>
+                        <m:sub>
+                          <m:r>
+                            <a:rPr lang="en-US" altLang="zh-CN" b="0" i="1" smtClean="0">
+                              <a:latin typeface="Cambria Math" panose="02040503050406030204" pitchFamily="18" charset="0"/>
+                            </a:rPr>
+                            <m:t>𝐾</m:t>
+                          </m:r>
+                        </m:sub>
+                      </m:sSub>
+                    </m:oMath>
+                  </m:oMathPara>
+                </a14:m>
+                <a:endParaRPr lang="zh-CN" altLang="en-US" dirty="0"/>
+              </a:p>
+            </p:txBody>
+          </p:sp>
+        </mc:Choice>
+        <mc:Fallback>
+          <p:sp>
+            <p:nvSpPr>
+              <p:cNvPr id="2" name="文本框 1">
+                <a:extLst>
+                  <a:ext uri="{FF2B5EF4-FFF2-40B4-BE49-F238E27FC236}">
+                    <a16:creationId xmlns:a16="http://schemas.microsoft.com/office/drawing/2014/main" id="{4E27B9FB-12C1-425F-9312-F359BDE18C1C}"/>
+                  </a:ext>
+                </a:extLst>
+              </p:cNvPr>
+              <p:cNvSpPr txBox="1">
+                <a:spLocks noRot="1" noChangeAspect="1" noMove="1" noResize="1" noEditPoints="1" noAdjustHandles="1" noChangeArrowheads="1" noChangeShapeType="1" noTextEdit="1"/>
+              </p:cNvSpPr>
+              <p:nvPr/>
+            </p:nvSpPr>
+            <p:spPr>
+              <a:xfrm>
+                <a:off x="5071137" y="3210742"/>
+                <a:ext cx="2458109" cy="298415"/>
+              </a:xfrm>
+              <a:prstGeom prst="rect">
+                <a:avLst/>
+              </a:prstGeom>
+              <a:blipFill>
+                <a:blip r:embed="rId2"/>
+                <a:stretch>
+                  <a:fillRect l="-993" t="-22449" r="-248" b="-20408"/>
+                </a:stretch>
+              </a:blipFill>
+            </p:spPr>
+            <p:txBody>
+              <a:bodyPr/>
+              <a:lstStyle/>
+              <a:p>
+                <a:r>
+                  <a:rPr lang="zh-CN" altLang="en-US">
+                    <a:noFill/>
+                  </a:rPr>
+                  <a:t> </a:t>
+                </a:r>
+              </a:p>
+            </p:txBody>
+          </p:sp>
+        </mc:Fallback>
+      </mc:AlternateContent>
+      <p:sp>
+        <p:nvSpPr>
+          <p:cNvPr id="3" name="文本框 2">
+            <a:extLst>
+              <a:ext uri="{FF2B5EF4-FFF2-40B4-BE49-F238E27FC236}">
+                <a16:creationId xmlns:a16="http://schemas.microsoft.com/office/drawing/2014/main" id="{A1976218-BB44-4D28-BD32-8862AB84CA5F}"/>
+              </a:ext>
+            </a:extLst>
+          </p:cNvPr>
+          <p:cNvSpPr txBox="1"/>
+          <p:nvPr/>
+        </p:nvSpPr>
+        <p:spPr>
+          <a:xfrm flipH="1">
+            <a:off x="5060155" y="3691601"/>
+            <a:ext cx="2808312" cy="1754326"/>
+          </a:xfrm>
+          <a:prstGeom prst="rect">
+            <a:avLst/>
+          </a:prstGeom>
+          <a:noFill/>
+        </p:spPr>
+        <p:txBody>
+          <a:bodyPr wrap="square" rtlCol="0">
+            <a:spAutoFit/>
+          </a:bodyPr>
+          <a:lstStyle/>
+          <a:p>
+            <a:r>
+              <a:rPr lang="en-US" altLang="zh-CN" dirty="0">
+                <a:solidFill>
+                  <a:srgbClr val="FF0000"/>
+                </a:solidFill>
+              </a:rPr>
+              <a:t>Most existing models are compensatory</a:t>
+            </a:r>
+          </a:p>
+          <a:p>
+            <a:r>
+              <a:rPr lang="en-US" altLang="zh-CN" dirty="0">
+                <a:solidFill>
+                  <a:srgbClr val="FF0000"/>
+                </a:solidFill>
+              </a:rPr>
+              <a:t>A good performance on one aspect compensates for bad performances on other aspects</a:t>
+            </a:r>
+            <a:endParaRPr lang="zh-CN" altLang="en-US" dirty="0">
+              <a:solidFill>
+                <a:srgbClr val="FF0000"/>
+              </a:solidFill>
+            </a:endParaRPr>
+          </a:p>
+        </p:txBody>
+      </p:sp>
+      <p:sp>
+        <p:nvSpPr>
+          <p:cNvPr id="4" name="文本框 3">
+            <a:extLst>
+              <a:ext uri="{FF2B5EF4-FFF2-40B4-BE49-F238E27FC236}">
+                <a16:creationId xmlns:a16="http://schemas.microsoft.com/office/drawing/2014/main" id="{42A1755C-5CB1-4F32-9FF4-FAE0CA43896F}"/>
+              </a:ext>
+            </a:extLst>
+          </p:cNvPr>
+          <p:cNvSpPr txBox="1"/>
+          <p:nvPr/>
+        </p:nvSpPr>
+        <p:spPr>
+          <a:xfrm>
+            <a:off x="2007240" y="3596510"/>
+            <a:ext cx="3249567" cy="1754326"/>
+          </a:xfrm>
+          <a:prstGeom prst="rect">
+            <a:avLst/>
+          </a:prstGeom>
+          <a:noFill/>
+        </p:spPr>
+        <p:txBody>
+          <a:bodyPr wrap="square" rtlCol="0">
+            <a:spAutoFit/>
+          </a:bodyPr>
+          <a:lstStyle/>
+          <a:p>
+            <a:pPr marL="285750" indent="-285750">
+              <a:buFont typeface="Arial" panose="020B0604020202020204" pitchFamily="34" charset="0"/>
+              <a:buChar char="•"/>
+            </a:pPr>
+            <a:r>
+              <a:rPr lang="en-US" altLang="zh-CN" dirty="0">
+                <a:solidFill>
+                  <a:srgbClr val="7030A0"/>
+                </a:solidFill>
+              </a:rPr>
+              <a:t>Collaborative Filtering: </a:t>
+            </a:r>
+            <a:r>
+              <a:rPr lang="en-US" altLang="zh-CN" dirty="0" err="1">
+                <a:solidFill>
+                  <a:srgbClr val="7030A0"/>
+                </a:solidFill>
+              </a:rPr>
+              <a:t>UserKNN</a:t>
+            </a:r>
+            <a:r>
+              <a:rPr lang="en-US" altLang="zh-CN" dirty="0">
+                <a:solidFill>
+                  <a:srgbClr val="7030A0"/>
+                </a:solidFill>
+              </a:rPr>
+              <a:t>, </a:t>
+            </a:r>
+            <a:r>
+              <a:rPr lang="en-US" altLang="zh-CN" dirty="0" err="1">
+                <a:solidFill>
+                  <a:srgbClr val="7030A0"/>
+                </a:solidFill>
+              </a:rPr>
+              <a:t>itemKNN</a:t>
+            </a:r>
+            <a:endParaRPr lang="en-US" altLang="zh-CN" dirty="0">
+              <a:solidFill>
+                <a:srgbClr val="7030A0"/>
+              </a:solidFill>
+            </a:endParaRPr>
+          </a:p>
+          <a:p>
+            <a:pPr marL="285750" indent="-285750">
+              <a:buFont typeface="Arial" panose="020B0604020202020204" pitchFamily="34" charset="0"/>
+              <a:buChar char="•"/>
+            </a:pPr>
+            <a:r>
+              <a:rPr lang="en-US" altLang="zh-CN" dirty="0">
+                <a:solidFill>
+                  <a:srgbClr val="7030A0"/>
+                </a:solidFill>
+              </a:rPr>
+              <a:t>Rating models: MF, AMF, LLORMA</a:t>
+            </a:r>
+          </a:p>
+          <a:p>
+            <a:pPr marL="285750" indent="-285750">
+              <a:buFont typeface="Arial" panose="020B0604020202020204" pitchFamily="34" charset="0"/>
+              <a:buChar char="•"/>
+            </a:pPr>
+            <a:r>
+              <a:rPr lang="en-US" altLang="zh-CN" dirty="0">
+                <a:solidFill>
+                  <a:srgbClr val="7030A0"/>
+                </a:solidFill>
+              </a:rPr>
+              <a:t>Ranking models: BPR, Bradley-Terry</a:t>
+            </a:r>
+            <a:endParaRPr lang="zh-CN" altLang="en-US" dirty="0">
+              <a:solidFill>
+                <a:srgbClr val="7030A0"/>
+              </a:solidFill>
+            </a:endParaRPr>
+          </a:p>
+        </p:txBody>
+      </p:sp>
+      <p:sp>
+        <p:nvSpPr>
+          <p:cNvPr id="13" name="文本框 12">
+            <a:extLst>
+              <a:ext uri="{FF2B5EF4-FFF2-40B4-BE49-F238E27FC236}">
+                <a16:creationId xmlns:a16="http://schemas.microsoft.com/office/drawing/2014/main" id="{A0703D5F-881B-449D-866A-DE120672EF0C}"/>
+              </a:ext>
+            </a:extLst>
+          </p:cNvPr>
+          <p:cNvSpPr txBox="1"/>
+          <p:nvPr/>
+        </p:nvSpPr>
+        <p:spPr>
+          <a:xfrm>
+            <a:off x="2007240" y="5949280"/>
+            <a:ext cx="3249567" cy="646331"/>
+          </a:xfrm>
+          <a:prstGeom prst="rect">
+            <a:avLst/>
+          </a:prstGeom>
+          <a:noFill/>
+        </p:spPr>
+        <p:txBody>
+          <a:bodyPr wrap="square" rtlCol="0">
+            <a:spAutoFit/>
+          </a:bodyPr>
+          <a:lstStyle/>
+          <a:p>
+            <a:pPr marL="285750" indent="-285750">
+              <a:buFont typeface="Arial" panose="020B0604020202020204" pitchFamily="34" charset="0"/>
+              <a:buChar char="•"/>
+            </a:pPr>
+            <a:r>
+              <a:rPr lang="en-US" altLang="zh-CN" dirty="0">
+                <a:solidFill>
+                  <a:srgbClr val="92D050"/>
+                </a:solidFill>
+              </a:rPr>
+              <a:t>Lexicographic</a:t>
+            </a:r>
+          </a:p>
+          <a:p>
+            <a:pPr marL="285750" indent="-285750">
+              <a:buFont typeface="Arial" panose="020B0604020202020204" pitchFamily="34" charset="0"/>
+              <a:buChar char="•"/>
+            </a:pPr>
+            <a:r>
+              <a:rPr lang="en-US" altLang="zh-CN" dirty="0">
+                <a:solidFill>
+                  <a:schemeClr val="accent5"/>
+                </a:solidFill>
+              </a:rPr>
+              <a:t>Conjunctive</a:t>
+            </a:r>
+            <a:endParaRPr lang="zh-CN" altLang="en-US" dirty="0">
+              <a:solidFill>
+                <a:schemeClr val="accent5"/>
+              </a:solidFill>
+            </a:endParaRPr>
+          </a:p>
+        </p:txBody>
+      </p:sp>
+      <p:sp>
+        <p:nvSpPr>
+          <p:cNvPr id="15" name="文本框 14">
+            <a:extLst>
+              <a:ext uri="{FF2B5EF4-FFF2-40B4-BE49-F238E27FC236}">
+                <a16:creationId xmlns:a16="http://schemas.microsoft.com/office/drawing/2014/main" id="{4B6C0490-F5AB-4CF8-9BA2-AE0892FA1999}"/>
+              </a:ext>
+            </a:extLst>
+          </p:cNvPr>
+          <p:cNvSpPr txBox="1"/>
+          <p:nvPr/>
+        </p:nvSpPr>
+        <p:spPr>
+          <a:xfrm flipH="1">
+            <a:off x="5071137" y="5926238"/>
+            <a:ext cx="2808312" cy="646331"/>
+          </a:xfrm>
+          <a:prstGeom prst="rect">
+            <a:avLst/>
+          </a:prstGeom>
+          <a:noFill/>
+        </p:spPr>
+        <p:txBody>
+          <a:bodyPr wrap="square" rtlCol="0">
+            <a:spAutoFit/>
+          </a:bodyPr>
+          <a:lstStyle/>
+          <a:p>
+            <a:r>
+              <a:rPr lang="en-US" altLang="zh-CN" dirty="0">
+                <a:solidFill>
+                  <a:srgbClr val="FF0000"/>
+                </a:solidFill>
+              </a:rPr>
+              <a:t>More commonly adopted in real life</a:t>
+            </a:r>
+            <a:endParaRPr lang="zh-CN" altLang="en-US" dirty="0">
+              <a:solidFill>
+                <a:srgbClr val="FF0000"/>
+              </a:solidFill>
+            </a:endParaRPr>
+          </a:p>
+        </p:txBody>
+      </p:sp>
+      <p:sp>
+        <p:nvSpPr>
+          <p:cNvPr id="17" name="矩形 16">
+            <a:extLst>
+              <a:ext uri="{FF2B5EF4-FFF2-40B4-BE49-F238E27FC236}">
+                <a16:creationId xmlns:a16="http://schemas.microsoft.com/office/drawing/2014/main" id="{0A943979-04E0-4FDD-8CEF-380FF0FB6A8A}"/>
+              </a:ext>
+            </a:extLst>
+          </p:cNvPr>
+          <p:cNvSpPr/>
+          <p:nvPr/>
+        </p:nvSpPr>
+        <p:spPr>
+          <a:xfrm>
+            <a:off x="107504" y="268149"/>
+            <a:ext cx="7615325" cy="1569660"/>
+          </a:xfrm>
+          <a:prstGeom prst="rect">
+            <a:avLst/>
+          </a:prstGeom>
+        </p:spPr>
+        <p:txBody>
+          <a:bodyPr wrap="square">
+            <a:spAutoFit/>
+          </a:bodyPr>
+          <a:lstStyle/>
+          <a:p>
+            <a:r>
+              <a:rPr lang="en-US" altLang="zh-CN" sz="2400" b="1" dirty="0">
+                <a:solidFill>
+                  <a:srgbClr val="FFC000"/>
+                </a:solidFill>
+              </a:rPr>
+              <a:t>Poster: 335</a:t>
+            </a:r>
+          </a:p>
+          <a:p>
+            <a:r>
+              <a:rPr lang="en-US" altLang="zh-CN" sz="2400" b="1" dirty="0">
+                <a:solidFill>
+                  <a:srgbClr val="FFC000"/>
+                </a:solidFill>
+              </a:rPr>
+              <a:t>Non-Compensatory Psychological Models for Recommendation Systems</a:t>
+            </a:r>
+          </a:p>
+          <a:p>
+            <a:r>
+              <a:rPr lang="en-US" altLang="zh-CN" sz="2400" b="1" dirty="0">
+                <a:solidFill>
+                  <a:srgbClr val="FFC000"/>
+                </a:solidFill>
+              </a:rPr>
+              <a:t>Chen Lin, </a:t>
+            </a:r>
+            <a:r>
+              <a:rPr lang="en-US" altLang="zh-CN" sz="2400" b="1" dirty="0" err="1">
+                <a:solidFill>
+                  <a:srgbClr val="FFC000"/>
+                </a:solidFill>
+              </a:rPr>
+              <a:t>Xiaolin</a:t>
+            </a:r>
+            <a:r>
+              <a:rPr lang="en-US" altLang="zh-CN" sz="2400" b="1" dirty="0">
+                <a:solidFill>
+                  <a:srgbClr val="FFC000"/>
+                </a:solidFill>
+              </a:rPr>
+              <a:t> Shen, Si Chen, </a:t>
+            </a:r>
+            <a:r>
+              <a:rPr lang="en-US" altLang="zh-CN" sz="2400" b="1" dirty="0" err="1">
+                <a:solidFill>
+                  <a:srgbClr val="FFC000"/>
+                </a:solidFill>
+              </a:rPr>
+              <a:t>Muhua</a:t>
+            </a:r>
+            <a:r>
+              <a:rPr lang="en-US" altLang="zh-CN" sz="2400" b="1" dirty="0">
+                <a:solidFill>
+                  <a:srgbClr val="FFC000"/>
+                </a:solidFill>
+              </a:rPr>
+              <a:t> Zhu, </a:t>
+            </a:r>
+            <a:r>
+              <a:rPr lang="en-US" altLang="zh-CN" sz="2400" b="1" dirty="0" err="1">
+                <a:solidFill>
+                  <a:srgbClr val="FFC000"/>
+                </a:solidFill>
+              </a:rPr>
+              <a:t>Yanghua</a:t>
+            </a:r>
+            <a:r>
+              <a:rPr lang="en-US" altLang="zh-CN" sz="2400" b="1" dirty="0">
+                <a:solidFill>
+                  <a:srgbClr val="FFC000"/>
+                </a:solidFill>
+              </a:rPr>
+              <a:t> Xiao</a:t>
+            </a:r>
+            <a:endParaRPr lang="zh-CN" altLang="en-US" sz="2400" b="1" dirty="0">
+              <a:solidFill>
+                <a:srgbClr val="FFC000"/>
+              </a:solidFill>
+            </a:endParaRPr>
+          </a:p>
+        </p:txBody>
+      </p:sp>
+      <p:pic>
+        <p:nvPicPr>
+          <p:cNvPr id="18" name="图片 17">
+            <a:extLst>
+              <a:ext uri="{FF2B5EF4-FFF2-40B4-BE49-F238E27FC236}">
+                <a16:creationId xmlns:a16="http://schemas.microsoft.com/office/drawing/2014/main" id="{FFD8E408-CAB5-4E57-BFFA-BDE37C8606A6}"/>
+              </a:ext>
+            </a:extLst>
+          </p:cNvPr>
+          <p:cNvPicPr>
+            <a:picLocks noChangeAspect="1"/>
+          </p:cNvPicPr>
+          <p:nvPr/>
+        </p:nvPicPr>
+        <p:blipFill>
+          <a:blip r:embed="rId3" cstate="print">
+            <a:extLst>
+              <a:ext uri="{28A0092B-C50C-407E-A947-70E740481C1C}">
+                <a14:useLocalDpi xmlns:a14="http://schemas.microsoft.com/office/drawing/2010/main" val="0"/>
+              </a:ext>
+            </a:extLst>
+          </a:blip>
+          <a:stretch>
+            <a:fillRect/>
+          </a:stretch>
+        </p:blipFill>
+        <p:spPr>
+          <a:xfrm>
+            <a:off x="8115588" y="1976432"/>
+            <a:ext cx="994960" cy="664136"/>
+          </a:xfrm>
+          <a:prstGeom prst="rect">
+            <a:avLst/>
+          </a:prstGeom>
+        </p:spPr>
+      </p:pic>
+      <p:pic>
+        <p:nvPicPr>
+          <p:cNvPr id="20" name="图片 19">
+            <a:extLst>
+              <a:ext uri="{FF2B5EF4-FFF2-40B4-BE49-F238E27FC236}">
+                <a16:creationId xmlns:a16="http://schemas.microsoft.com/office/drawing/2014/main" id="{9E3822DC-39A4-4696-8EDC-BC09C426E097}"/>
+              </a:ext>
+            </a:extLst>
+          </p:cNvPr>
+          <p:cNvPicPr>
+            <a:picLocks noChangeAspect="1"/>
+          </p:cNvPicPr>
+          <p:nvPr/>
+        </p:nvPicPr>
+        <p:blipFill>
+          <a:blip r:embed="rId4">
+            <a:extLst>
+              <a:ext uri="{28A0092B-C50C-407E-A947-70E740481C1C}">
+                <a14:useLocalDpi xmlns:a14="http://schemas.microsoft.com/office/drawing/2010/main" val="0"/>
+              </a:ext>
+            </a:extLst>
+          </a:blip>
+          <a:stretch>
+            <a:fillRect/>
+          </a:stretch>
+        </p:blipFill>
+        <p:spPr>
+          <a:xfrm>
+            <a:off x="8172400" y="53578"/>
+            <a:ext cx="864096" cy="864096"/>
+          </a:xfrm>
+          <a:prstGeom prst="rect">
+            <a:avLst/>
+          </a:prstGeom>
+        </p:spPr>
+      </p:pic>
+      <p:pic>
+        <p:nvPicPr>
+          <p:cNvPr id="22" name="图片 21">
+            <a:extLst>
+              <a:ext uri="{FF2B5EF4-FFF2-40B4-BE49-F238E27FC236}">
+                <a16:creationId xmlns:a16="http://schemas.microsoft.com/office/drawing/2014/main" id="{F99E0C03-5B31-445C-94DA-2839E28C1C0B}"/>
+              </a:ext>
+            </a:extLst>
+          </p:cNvPr>
+          <p:cNvPicPr>
+            <a:picLocks noChangeAspect="1"/>
+          </p:cNvPicPr>
+          <p:nvPr/>
+        </p:nvPicPr>
+        <p:blipFill>
+          <a:blip r:embed="rId5" cstate="print">
+            <a:extLst>
+              <a:ext uri="{28A0092B-C50C-407E-A947-70E740481C1C}">
+                <a14:useLocalDpi xmlns:a14="http://schemas.microsoft.com/office/drawing/2010/main" val="0"/>
+              </a:ext>
+            </a:extLst>
+          </a:blip>
+          <a:stretch>
+            <a:fillRect/>
+          </a:stretch>
+        </p:blipFill>
+        <p:spPr>
+          <a:xfrm>
+            <a:off x="8172400" y="982274"/>
+            <a:ext cx="909447" cy="909447"/>
+          </a:xfrm>
+          <a:prstGeom prst="rect">
+            <a:avLst/>
+          </a:prstGeom>
+        </p:spPr>
+      </p:pic>
     </p:spTree>
   </p:cSld>
   <p:clrMapOvr>
@@ -3480,7 +4125,1355 @@
           <a:chExt cx="0" cy="0"/>
         </a:xfrm>
       </p:grpSpPr>
+      <p:pic>
+        <p:nvPicPr>
+          <p:cNvPr id="12" name="内容占位符 11" descr="pic1.png"/>
+          <p:cNvPicPr>
+            <a:picLocks noGrp="1" noChangeAspect="1"/>
+          </p:cNvPicPr>
+          <p:nvPr>
+            <p:ph sz="quarter" idx="4"/>
+          </p:nvPr>
+        </p:nvPicPr>
+        <p:blipFill rotWithShape="1">
+          <a:blip r:embed="rId2" cstate="print"/>
+          <a:srcRect r="5862" b="19368"/>
+          <a:stretch/>
+        </p:blipFill>
+        <p:spPr>
+          <a:xfrm rot="5400000">
+            <a:off x="7664469" y="4113264"/>
+            <a:ext cx="2088232" cy="870829"/>
+          </a:xfrm>
+        </p:spPr>
+      </p:pic>
+      <p:pic>
+        <p:nvPicPr>
+          <p:cNvPr id="11" name="内容占位符 10" descr="pic2.png"/>
+          <p:cNvPicPr>
+            <a:picLocks noGrp="1" noChangeAspect="1"/>
+          </p:cNvPicPr>
+          <p:nvPr>
+            <p:ph sz="half" idx="2"/>
+          </p:nvPr>
+        </p:nvPicPr>
+        <p:blipFill rotWithShape="1">
+          <a:blip r:embed="rId3" cstate="print"/>
+          <a:srcRect r="2616" b="25431"/>
+          <a:stretch/>
+        </p:blipFill>
+        <p:spPr>
+          <a:xfrm rot="5400000">
+            <a:off x="7661207" y="4182009"/>
+            <a:ext cx="2160240" cy="805347"/>
+          </a:xfrm>
+        </p:spPr>
+      </p:pic>
+      <p:sp>
+        <p:nvSpPr>
+          <p:cNvPr id="5" name="文本占位符 4"/>
+          <p:cNvSpPr>
+            <a:spLocks noGrp="1"/>
+          </p:cNvSpPr>
+          <p:nvPr>
+            <p:ph type="body" idx="1"/>
+          </p:nvPr>
+        </p:nvSpPr>
+        <p:spPr>
+          <a:xfrm>
+            <a:off x="1611930" y="3172772"/>
+            <a:ext cx="4040188" cy="423738"/>
+          </a:xfrm>
+        </p:spPr>
+        <p:txBody>
+          <a:bodyPr>
+            <a:normAutofit lnSpcReduction="10000"/>
+          </a:bodyPr>
+          <a:lstStyle/>
+          <a:p>
+            <a:r>
+              <a:rPr lang="en-US" altLang="zh-CN" dirty="0">
+                <a:solidFill>
+                  <a:srgbClr val="7030A0"/>
+                </a:solidFill>
+              </a:rPr>
+              <a:t>Compensatory Rules</a:t>
+            </a:r>
+            <a:endParaRPr lang="zh-CN" altLang="en-US" dirty="0">
+              <a:solidFill>
+                <a:srgbClr val="7030A0"/>
+              </a:solidFill>
+            </a:endParaRPr>
+          </a:p>
+        </p:txBody>
+      </p:sp>
+      <p:sp>
+        <p:nvSpPr>
+          <p:cNvPr id="7" name="文本占位符 6"/>
+          <p:cNvSpPr>
+            <a:spLocks noGrp="1"/>
+          </p:cNvSpPr>
+          <p:nvPr>
+            <p:ph type="body" sz="quarter" idx="3"/>
+          </p:nvPr>
+        </p:nvSpPr>
+        <p:spPr>
+          <a:xfrm>
+            <a:off x="1650363" y="3838359"/>
+            <a:ext cx="4041775" cy="423738"/>
+          </a:xfrm>
+        </p:spPr>
+        <p:txBody>
+          <a:bodyPr>
+            <a:normAutofit lnSpcReduction="10000"/>
+          </a:bodyPr>
+          <a:lstStyle/>
+          <a:p>
+            <a:r>
+              <a:rPr lang="en-US" altLang="zh-CN" dirty="0">
+                <a:solidFill>
+                  <a:srgbClr val="7030A0"/>
+                </a:solidFill>
+              </a:rPr>
+              <a:t>Non-Compensatory Rules</a:t>
+            </a:r>
+            <a:endParaRPr lang="zh-CN" altLang="en-US" dirty="0">
+              <a:solidFill>
+                <a:srgbClr val="7030A0"/>
+              </a:solidFill>
+            </a:endParaRPr>
+          </a:p>
+        </p:txBody>
+      </p:sp>
+      <p:sp>
+        <p:nvSpPr>
+          <p:cNvPr id="6" name="文本占位符 4"/>
+          <p:cNvSpPr txBox="1">
+            <a:spLocks/>
+          </p:cNvSpPr>
+          <p:nvPr/>
+        </p:nvSpPr>
+        <p:spPr>
+          <a:xfrm>
+            <a:off x="0" y="2132856"/>
+            <a:ext cx="9396536" cy="903180"/>
+          </a:xfrm>
+          <a:prstGeom prst="rect">
+            <a:avLst/>
+          </a:prstGeom>
+        </p:spPr>
+        <p:txBody>
+          <a:bodyPr vert="horz" lIns="91440" tIns="45720" rIns="91440" bIns="45720" rtlCol="0" anchor="b">
+            <a:normAutofit/>
+          </a:bodyPr>
+          <a:lstStyle/>
+          <a:p>
+            <a:pPr lvl="0">
+              <a:spcBef>
+                <a:spcPct val="20000"/>
+              </a:spcBef>
+            </a:pPr>
+            <a:r>
+              <a:rPr lang="en-US" altLang="zh-CN" sz="2400" b="1" dirty="0"/>
+              <a:t>□Research </a:t>
+            </a:r>
+            <a:r>
+              <a:rPr kumimoji="0" lang="en-US" altLang="zh-CN" sz="2400" b="1" i="0" u="none" strike="noStrike" kern="1200" cap="none" spc="0" normalizeH="0" baseline="0" noProof="0" dirty="0">
+                <a:ln>
+                  <a:noFill/>
+                </a:ln>
+                <a:solidFill>
+                  <a:schemeClr val="tx1"/>
+                </a:solidFill>
+                <a:effectLst/>
+                <a:uLnTx/>
+                <a:uFillTx/>
+                <a:latin typeface="+mn-lt"/>
+                <a:ea typeface="+mn-ea"/>
+                <a:cs typeface="+mn-cs"/>
+              </a:rPr>
+              <a:t>Question2: </a:t>
+            </a:r>
+          </a:p>
+          <a:p>
+            <a:pPr lvl="0">
+              <a:spcBef>
+                <a:spcPct val="20000"/>
+              </a:spcBef>
+            </a:pPr>
+            <a:r>
+              <a:rPr kumimoji="0" lang="en-US" altLang="zh-CN" sz="2400" b="1" i="0" u="none" strike="noStrike" kern="1200" cap="none" spc="0" normalizeH="0" noProof="0" dirty="0">
+                <a:ln>
+                  <a:noFill/>
+                </a:ln>
+                <a:solidFill>
+                  <a:schemeClr val="tx1"/>
+                </a:solidFill>
+                <a:effectLst/>
+                <a:uLnTx/>
+                <a:uFillTx/>
+                <a:latin typeface="+mn-lt"/>
+                <a:ea typeface="+mn-ea"/>
+                <a:cs typeface="+mn-cs"/>
+              </a:rPr>
+              <a:t>Can we develop non-compensatory recommendation models?</a:t>
+            </a:r>
+            <a:endParaRPr kumimoji="0" lang="zh-CN" altLang="en-US" sz="2400" b="1" i="0" u="none" strike="noStrike" kern="1200" cap="none" spc="0" normalizeH="0" baseline="0" noProof="0" dirty="0">
+              <a:ln>
+                <a:noFill/>
+              </a:ln>
+              <a:solidFill>
+                <a:schemeClr val="tx1"/>
+              </a:solidFill>
+              <a:effectLst/>
+              <a:uLnTx/>
+              <a:uFillTx/>
+              <a:latin typeface="+mn-lt"/>
+              <a:ea typeface="+mn-ea"/>
+              <a:cs typeface="+mn-cs"/>
+            </a:endParaRPr>
+          </a:p>
+        </p:txBody>
+      </p:sp>
+      <p:sp>
+        <p:nvSpPr>
+          <p:cNvPr id="8" name="文本占位符 4"/>
+          <p:cNvSpPr txBox="1">
+            <a:spLocks/>
+          </p:cNvSpPr>
+          <p:nvPr/>
+        </p:nvSpPr>
+        <p:spPr>
+          <a:xfrm>
+            <a:off x="218779" y="3397151"/>
+            <a:ext cx="1152128" cy="639762"/>
+          </a:xfrm>
+          <a:prstGeom prst="rect">
+            <a:avLst/>
+          </a:prstGeom>
+        </p:spPr>
+        <p:txBody>
+          <a:bodyPr vert="horz" lIns="91440" tIns="45720" rIns="91440" bIns="45720" rtlCol="0" anchor="b">
+            <a:normAutofit fontScale="77500" lnSpcReduction="20000"/>
+          </a:bodyPr>
+          <a:lstStyle/>
+          <a:p>
+            <a:pPr marL="0" marR="0" lvl="0" indent="0" algn="l" defTabSz="914400" rtl="0" eaLnBrk="1" fontAlgn="auto" latinLnBrk="0" hangingPunct="1">
+              <a:lnSpc>
+                <a:spcPct val="100000"/>
+              </a:lnSpc>
+              <a:spcBef>
+                <a:spcPct val="20000"/>
+              </a:spcBef>
+              <a:spcAft>
+                <a:spcPts val="0"/>
+              </a:spcAft>
+              <a:buClrTx/>
+              <a:buSzTx/>
+              <a:buFont typeface="Arial" pitchFamily="34" charset="0"/>
+              <a:buNone/>
+              <a:tabLst/>
+              <a:defRPr/>
+            </a:pPr>
+            <a:r>
+              <a:rPr kumimoji="0" lang="en-US" altLang="zh-CN" sz="2400" b="1" i="0" u="none" strike="noStrike" kern="1200" cap="none" spc="0" normalizeH="0" baseline="0" noProof="0" dirty="0">
+                <a:ln>
+                  <a:noFill/>
+                </a:ln>
+                <a:solidFill>
+                  <a:srgbClr val="7030A0"/>
+                </a:solidFill>
+                <a:effectLst/>
+                <a:uLnTx/>
+                <a:uFillTx/>
+                <a:latin typeface="+mn-lt"/>
+                <a:ea typeface="+mn-ea"/>
+                <a:cs typeface="+mn-cs"/>
+              </a:rPr>
+              <a:t>Decision</a:t>
+            </a:r>
+          </a:p>
+          <a:p>
+            <a:pPr marL="0" marR="0" lvl="0" indent="0" algn="l" defTabSz="914400" rtl="0" eaLnBrk="1" fontAlgn="auto" latinLnBrk="0" hangingPunct="1">
+              <a:lnSpc>
+                <a:spcPct val="100000"/>
+              </a:lnSpc>
+              <a:spcBef>
+                <a:spcPct val="20000"/>
+              </a:spcBef>
+              <a:spcAft>
+                <a:spcPts val="0"/>
+              </a:spcAft>
+              <a:buClrTx/>
+              <a:buSzTx/>
+              <a:buFont typeface="Arial" pitchFamily="34" charset="0"/>
+              <a:buNone/>
+              <a:tabLst/>
+              <a:defRPr/>
+            </a:pPr>
+            <a:r>
+              <a:rPr lang="en-US" altLang="zh-CN" sz="2400" b="1" dirty="0">
+                <a:solidFill>
+                  <a:srgbClr val="7030A0"/>
+                </a:solidFill>
+              </a:rPr>
+              <a:t>Process</a:t>
+            </a:r>
+            <a:endParaRPr kumimoji="0" lang="zh-CN" altLang="en-US" sz="2400" b="1" i="0" u="none" strike="noStrike" kern="1200" cap="none" spc="0" normalizeH="0" baseline="0" noProof="0" dirty="0">
+              <a:ln>
+                <a:noFill/>
+              </a:ln>
+              <a:solidFill>
+                <a:srgbClr val="7030A0"/>
+              </a:solidFill>
+              <a:effectLst/>
+              <a:uLnTx/>
+              <a:uFillTx/>
+              <a:latin typeface="+mn-lt"/>
+              <a:ea typeface="+mn-ea"/>
+              <a:cs typeface="+mn-cs"/>
+            </a:endParaRPr>
+          </a:p>
+        </p:txBody>
+      </p:sp>
+      <p:sp>
+        <p:nvSpPr>
+          <p:cNvPr id="9" name="左大括号 8"/>
+          <p:cNvSpPr/>
+          <p:nvPr/>
+        </p:nvSpPr>
+        <p:spPr>
+          <a:xfrm>
+            <a:off x="1403648" y="3429000"/>
+            <a:ext cx="144016" cy="576064"/>
+          </a:xfrm>
+          <a:prstGeom prst="leftBrace">
+            <a:avLst/>
+          </a:prstGeom>
+          <a:noFill/>
+          <a:ln w="38100">
+            <a:solidFill>
+              <a:srgbClr val="7030A0"/>
+            </a:solidFill>
+          </a:ln>
+        </p:spPr>
+        <p:style>
+          <a:lnRef idx="1">
+            <a:schemeClr val="accent1"/>
+          </a:lnRef>
+          <a:fillRef idx="0">
+            <a:schemeClr val="accent1"/>
+          </a:fillRef>
+          <a:effectRef idx="0">
+            <a:schemeClr val="accent1"/>
+          </a:effectRef>
+          <a:fontRef idx="minor">
+            <a:schemeClr val="tx1"/>
+          </a:fontRef>
+        </p:style>
+        <p:txBody>
+          <a:bodyPr rtlCol="0" anchor="ctr"/>
+          <a:lstStyle/>
+          <a:p>
+            <a:pPr algn="ctr"/>
+            <a:endParaRPr lang="zh-CN" altLang="en-US"/>
+          </a:p>
+        </p:txBody>
+      </p:sp>
+      <p:sp>
+        <p:nvSpPr>
+          <p:cNvPr id="13" name="文本框 12">
+            <a:extLst>
+              <a:ext uri="{FF2B5EF4-FFF2-40B4-BE49-F238E27FC236}">
+                <a16:creationId xmlns:a16="http://schemas.microsoft.com/office/drawing/2014/main" id="{A0703D5F-881B-449D-866A-DE120672EF0C}"/>
+              </a:ext>
+            </a:extLst>
+          </p:cNvPr>
+          <p:cNvSpPr txBox="1"/>
+          <p:nvPr/>
+        </p:nvSpPr>
+        <p:spPr>
+          <a:xfrm>
+            <a:off x="6430004" y="3567626"/>
+            <a:ext cx="1310346" cy="369332"/>
+          </a:xfrm>
+          <a:prstGeom prst="rect">
+            <a:avLst/>
+          </a:prstGeom>
+          <a:noFill/>
+        </p:spPr>
+        <p:txBody>
+          <a:bodyPr wrap="square" rtlCol="0">
+            <a:spAutoFit/>
+          </a:bodyPr>
+          <a:lstStyle/>
+          <a:p>
+            <a:r>
+              <a:rPr lang="en-US" altLang="zh-CN" dirty="0">
+                <a:solidFill>
+                  <a:srgbClr val="0070C0"/>
+                </a:solidFill>
+              </a:rPr>
+              <a:t>Conjunctive</a:t>
+            </a:r>
+            <a:endParaRPr lang="zh-CN" altLang="en-US" dirty="0">
+              <a:solidFill>
+                <a:srgbClr val="0070C0"/>
+              </a:solidFill>
+            </a:endParaRPr>
+          </a:p>
+        </p:txBody>
+      </p:sp>
+      <p:sp>
+        <p:nvSpPr>
+          <p:cNvPr id="14" name="矩形: 圆角 13">
+            <a:extLst>
+              <a:ext uri="{FF2B5EF4-FFF2-40B4-BE49-F238E27FC236}">
+                <a16:creationId xmlns:a16="http://schemas.microsoft.com/office/drawing/2014/main" id="{176BD7E5-7B55-479C-B87F-317D7DE80D7F}"/>
+              </a:ext>
+            </a:extLst>
+          </p:cNvPr>
+          <p:cNvSpPr/>
+          <p:nvPr/>
+        </p:nvSpPr>
+        <p:spPr>
+          <a:xfrm rot="5400000">
+            <a:off x="8339366" y="4636073"/>
+            <a:ext cx="504056" cy="982005"/>
+          </a:xfrm>
+          <a:prstGeom prst="roundRect">
+            <a:avLst/>
+          </a:prstGeom>
+          <a:noFill/>
+          <a:ln>
+            <a:solidFill>
+              <a:srgbClr val="92D050"/>
+            </a:solidFill>
+          </a:ln>
+        </p:spPr>
+        <p:style>
+          <a:lnRef idx="2">
+            <a:schemeClr val="accent1">
+              <a:shade val="50000"/>
+            </a:schemeClr>
+          </a:lnRef>
+          <a:fillRef idx="1">
+            <a:schemeClr val="accent1"/>
+          </a:fillRef>
+          <a:effectRef idx="0">
+            <a:schemeClr val="accent1"/>
+          </a:effectRef>
+          <a:fontRef idx="minor">
+            <a:schemeClr val="lt1"/>
+          </a:fontRef>
+        </p:style>
+        <p:txBody>
+          <a:bodyPr rtlCol="0" anchor="ctr"/>
+          <a:lstStyle/>
+          <a:p>
+            <a:pPr algn="ctr"/>
+            <a:endParaRPr lang="zh-CN" altLang="en-US" dirty="0"/>
+          </a:p>
+        </p:txBody>
+      </p:sp>
+      <mc:AlternateContent xmlns:mc="http://schemas.openxmlformats.org/markup-compatibility/2006">
+        <mc:Choice xmlns:a14="http://schemas.microsoft.com/office/drawing/2010/main" Requires="a14">
+          <p:sp>
+            <p:nvSpPr>
+              <p:cNvPr id="10" name="文本框 9">
+                <a:extLst>
+                  <a:ext uri="{FF2B5EF4-FFF2-40B4-BE49-F238E27FC236}">
+                    <a16:creationId xmlns:a16="http://schemas.microsoft.com/office/drawing/2014/main" id="{B1D13457-7F27-4BA7-B0B3-91D2841A731F}"/>
+                  </a:ext>
+                </a:extLst>
+              </p:cNvPr>
+              <p:cNvSpPr txBox="1"/>
+              <p:nvPr/>
+            </p:nvSpPr>
+            <p:spPr>
+              <a:xfrm>
+                <a:off x="3167784" y="4363588"/>
+                <a:ext cx="4922950" cy="672172"/>
+              </a:xfrm>
+              <a:prstGeom prst="rect">
+                <a:avLst/>
+              </a:prstGeom>
+              <a:noFill/>
+            </p:spPr>
+            <p:txBody>
+              <a:bodyPr wrap="none" lIns="0" tIns="0" rIns="0" bIns="0" rtlCol="0">
+                <a:spAutoFit/>
+              </a:bodyPr>
+              <a:lstStyle/>
+              <a:p>
+                <a14:m>
+                  <m:oMathPara xmlns:m="http://schemas.openxmlformats.org/officeDocument/2006/math">
+                    <m:oMathParaPr>
+                      <m:jc m:val="centerGroup"/>
+                    </m:oMathParaPr>
+                    <m:oMath xmlns:m="http://schemas.openxmlformats.org/officeDocument/2006/math">
+                      <m:acc>
+                        <m:accPr>
+                          <m:chr m:val="̂"/>
+                          <m:ctrlPr>
+                            <a:rPr lang="en-US" altLang="zh-CN" b="0" i="1" smtClean="0">
+                              <a:latin typeface="Cambria Math" panose="02040503050406030204" pitchFamily="18" charset="0"/>
+                            </a:rPr>
+                          </m:ctrlPr>
+                        </m:accPr>
+                        <m:e>
+                          <m:sSub>
+                            <m:sSubPr>
+                              <m:ctrlPr>
+                                <a:rPr lang="en-US" altLang="zh-CN" b="0" i="1" smtClean="0">
+                                  <a:latin typeface="Cambria Math" panose="02040503050406030204" pitchFamily="18" charset="0"/>
+                                </a:rPr>
+                              </m:ctrlPr>
+                            </m:sSubPr>
+                            <m:e>
+                              <m:r>
+                                <a:rPr lang="en-US" altLang="zh-CN" b="0" i="1" smtClean="0">
+                                  <a:latin typeface="Cambria Math" panose="02040503050406030204" pitchFamily="18" charset="0"/>
+                                </a:rPr>
+                                <m:t>𝑥</m:t>
+                              </m:r>
+                            </m:e>
+                            <m:sub>
+                              <m:r>
+                                <a:rPr lang="en-US" altLang="zh-CN" b="0" i="1" smtClean="0">
+                                  <a:latin typeface="Cambria Math" panose="02040503050406030204" pitchFamily="18" charset="0"/>
+                                </a:rPr>
+                                <m:t>𝑢</m:t>
+                              </m:r>
+                              <m:r>
+                                <a:rPr lang="en-US" altLang="zh-CN" b="0" i="1" smtClean="0">
+                                  <a:latin typeface="Cambria Math" panose="02040503050406030204" pitchFamily="18" charset="0"/>
+                                </a:rPr>
+                                <m:t>,</m:t>
+                              </m:r>
+                              <m:r>
+                                <a:rPr lang="en-US" altLang="zh-CN" b="0" i="1" smtClean="0">
+                                  <a:latin typeface="Cambria Math" panose="02040503050406030204" pitchFamily="18" charset="0"/>
+                                </a:rPr>
+                                <m:t>𝑞</m:t>
+                              </m:r>
+                            </m:sub>
+                          </m:sSub>
+                        </m:e>
+                      </m:acc>
+                      <m:r>
+                        <a:rPr lang="en-US" altLang="zh-CN" b="0" i="1" smtClean="0">
+                          <a:latin typeface="Cambria Math" panose="02040503050406030204" pitchFamily="18" charset="0"/>
+                        </a:rPr>
+                        <m:t>=</m:t>
+                      </m:r>
+                      <m:nary>
+                        <m:naryPr>
+                          <m:chr m:val="∑"/>
+                          <m:supHide m:val="on"/>
+                          <m:ctrlPr>
+                            <a:rPr lang="en-US" altLang="zh-CN" b="0" i="1" smtClean="0">
+                              <a:latin typeface="Cambria Math" panose="02040503050406030204" pitchFamily="18" charset="0"/>
+                            </a:rPr>
+                          </m:ctrlPr>
+                        </m:naryPr>
+                        <m:sub>
+                          <m:r>
+                            <a:rPr lang="en-US" altLang="zh-CN" b="0" i="1" smtClean="0">
+                              <a:latin typeface="Cambria Math" panose="02040503050406030204" pitchFamily="18" charset="0"/>
+                            </a:rPr>
+                            <m:t>𝑘</m:t>
+                          </m:r>
+                        </m:sub>
+                        <m:sup/>
+                        <m:e>
+                          <m:f>
+                            <m:fPr>
+                              <m:ctrlPr>
+                                <a:rPr lang="en-US" altLang="zh-CN" b="0" i="1" smtClean="0">
+                                  <a:latin typeface="Cambria Math" panose="02040503050406030204" pitchFamily="18" charset="0"/>
+                                </a:rPr>
+                              </m:ctrlPr>
+                            </m:fPr>
+                            <m:num>
+                              <m:func>
+                                <m:funcPr>
+                                  <m:ctrlPr>
+                                    <a:rPr lang="en-US" altLang="zh-CN" b="0" i="1" smtClean="0">
+                                      <a:latin typeface="Cambria Math" panose="02040503050406030204" pitchFamily="18" charset="0"/>
+                                    </a:rPr>
+                                  </m:ctrlPr>
+                                </m:funcPr>
+                                <m:fName>
+                                  <m:r>
+                                    <m:rPr>
+                                      <m:sty m:val="p"/>
+                                    </m:rPr>
+                                    <a:rPr lang="en-US" altLang="zh-CN" b="0" i="0" smtClean="0">
+                                      <a:latin typeface="Cambria Math" panose="02040503050406030204" pitchFamily="18" charset="0"/>
+                                    </a:rPr>
+                                    <m:t>exp</m:t>
+                                  </m:r>
+                                </m:fName>
+                                <m:e>
+                                  <m:sSub>
+                                    <m:sSubPr>
+                                      <m:ctrlPr>
+                                        <a:rPr lang="en-US" altLang="zh-CN" b="0" i="1" smtClean="0">
+                                          <a:latin typeface="Cambria Math" panose="02040503050406030204" pitchFamily="18" charset="0"/>
+                                        </a:rPr>
+                                      </m:ctrlPr>
+                                    </m:sSubPr>
+                                    <m:e>
+                                      <m:r>
+                                        <a:rPr lang="en-US" altLang="zh-CN" b="0" i="1" smtClean="0">
+                                          <a:latin typeface="Cambria Math" panose="02040503050406030204" pitchFamily="18" charset="0"/>
+                                        </a:rPr>
+                                        <m:t>𝑢</m:t>
+                                      </m:r>
+                                    </m:e>
+                                    <m:sub>
+                                      <m:r>
+                                        <a:rPr lang="en-US" altLang="zh-CN" b="0" i="1" smtClean="0">
+                                          <a:latin typeface="Cambria Math" panose="02040503050406030204" pitchFamily="18" charset="0"/>
+                                        </a:rPr>
+                                        <m:t>𝑘</m:t>
+                                      </m:r>
+                                    </m:sub>
+                                  </m:sSub>
+                                </m:e>
+                              </m:func>
+                            </m:num>
+                            <m:den>
+                              <m:nary>
+                                <m:naryPr>
+                                  <m:chr m:val="∑"/>
+                                  <m:supHide m:val="on"/>
+                                  <m:ctrlPr>
+                                    <a:rPr lang="en-US" altLang="zh-CN" b="0" i="1" smtClean="0">
+                                      <a:latin typeface="Cambria Math" panose="02040503050406030204" pitchFamily="18" charset="0"/>
+                                    </a:rPr>
+                                  </m:ctrlPr>
+                                </m:naryPr>
+                                <m:sub>
+                                  <m:r>
+                                    <a:rPr lang="en-US" altLang="zh-CN" b="0" i="1" smtClean="0">
+                                      <a:latin typeface="Cambria Math" panose="02040503050406030204" pitchFamily="18" charset="0"/>
+                                    </a:rPr>
+                                    <m:t>𝑘</m:t>
+                                  </m:r>
+                                  <m:r>
+                                    <a:rPr lang="en-US" altLang="zh-CN" b="0" i="1" smtClean="0">
+                                      <a:latin typeface="Cambria Math" panose="02040503050406030204" pitchFamily="18" charset="0"/>
+                                    </a:rPr>
+                                    <m:t>′</m:t>
+                                  </m:r>
+                                </m:sub>
+                                <m:sup/>
+                                <m:e>
+                                  <m:func>
+                                    <m:funcPr>
+                                      <m:ctrlPr>
+                                        <a:rPr lang="en-US" altLang="zh-CN" b="0" i="1" smtClean="0">
+                                          <a:latin typeface="Cambria Math" panose="02040503050406030204" pitchFamily="18" charset="0"/>
+                                        </a:rPr>
+                                      </m:ctrlPr>
+                                    </m:funcPr>
+                                    <m:fName>
+                                      <m:r>
+                                        <m:rPr>
+                                          <m:sty m:val="p"/>
+                                        </m:rPr>
+                                        <a:rPr lang="en-US" altLang="zh-CN" b="0" i="0" smtClean="0">
+                                          <a:latin typeface="Cambria Math" panose="02040503050406030204" pitchFamily="18" charset="0"/>
+                                        </a:rPr>
+                                        <m:t>exp</m:t>
+                                      </m:r>
+                                    </m:fName>
+                                    <m:e>
+                                      <m:sSub>
+                                        <m:sSubPr>
+                                          <m:ctrlPr>
+                                            <a:rPr lang="en-US" altLang="zh-CN" b="0" i="1" smtClean="0">
+                                              <a:latin typeface="Cambria Math" panose="02040503050406030204" pitchFamily="18" charset="0"/>
+                                            </a:rPr>
+                                          </m:ctrlPr>
+                                        </m:sSubPr>
+                                        <m:e>
+                                          <m:r>
+                                            <a:rPr lang="en-US" altLang="zh-CN" b="0" i="1" smtClean="0">
+                                              <a:latin typeface="Cambria Math" panose="02040503050406030204" pitchFamily="18" charset="0"/>
+                                            </a:rPr>
+                                            <m:t>𝑢</m:t>
+                                          </m:r>
+                                        </m:e>
+                                        <m:sub>
+                                          <m:r>
+                                            <a:rPr lang="en-US" altLang="zh-CN" b="0" i="1" smtClean="0">
+                                              <a:latin typeface="Cambria Math" panose="02040503050406030204" pitchFamily="18" charset="0"/>
+                                            </a:rPr>
+                                            <m:t>𝑘</m:t>
+                                          </m:r>
+                                          <m:r>
+                                            <a:rPr lang="en-US" altLang="zh-CN" b="0" i="1" smtClean="0">
+                                              <a:latin typeface="Cambria Math" panose="02040503050406030204" pitchFamily="18" charset="0"/>
+                                            </a:rPr>
+                                            <m:t>′</m:t>
+                                          </m:r>
+                                        </m:sub>
+                                      </m:sSub>
+                                    </m:e>
+                                  </m:func>
+                                </m:e>
+                              </m:nary>
+                            </m:den>
+                          </m:f>
+                          <m:r>
+                            <a:rPr lang="en-US" altLang="zh-CN" b="0" i="1" smtClean="0">
+                              <a:latin typeface="Cambria Math" panose="02040503050406030204" pitchFamily="18" charset="0"/>
+                            </a:rPr>
+                            <m:t>[</m:t>
+                          </m:r>
+                          <m:sSub>
+                            <m:sSubPr>
+                              <m:ctrlPr>
+                                <a:rPr lang="en-US" altLang="zh-CN" b="0" i="1" smtClean="0">
+                                  <a:latin typeface="Cambria Math" panose="02040503050406030204" pitchFamily="18" charset="0"/>
+                                </a:rPr>
+                              </m:ctrlPr>
+                            </m:sSubPr>
+                            <m:e>
+                              <m:r>
+                                <a:rPr lang="en-US" altLang="zh-CN" b="0" i="1" smtClean="0">
+                                  <a:latin typeface="Cambria Math" panose="02040503050406030204" pitchFamily="18" charset="0"/>
+                                </a:rPr>
+                                <m:t>𝑞</m:t>
+                              </m:r>
+                            </m:e>
+                            <m:sub>
+                              <m:r>
+                                <a:rPr lang="en-US" altLang="zh-CN" b="0" i="1" smtClean="0">
+                                  <a:latin typeface="Cambria Math" panose="02040503050406030204" pitchFamily="18" charset="0"/>
+                                </a:rPr>
+                                <m:t>𝑘</m:t>
+                              </m:r>
+                            </m:sub>
+                          </m:sSub>
+                          <m:func>
+                            <m:funcPr>
+                              <m:ctrlPr>
+                                <a:rPr lang="en-US" altLang="zh-CN" b="0" i="1" smtClean="0">
+                                  <a:latin typeface="Cambria Math" panose="02040503050406030204" pitchFamily="18" charset="0"/>
+                                </a:rPr>
+                              </m:ctrlPr>
+                            </m:funcPr>
+                            <m:fName>
+                              <m:r>
+                                <m:rPr>
+                                  <m:sty m:val="p"/>
+                                </m:rPr>
+                                <a:rPr lang="en-US" altLang="zh-CN" b="0" i="0" smtClean="0">
+                                  <a:latin typeface="Cambria Math" panose="02040503050406030204" pitchFamily="18" charset="0"/>
+                                </a:rPr>
+                                <m:t>exp</m:t>
+                              </m:r>
+                            </m:fName>
+                            <m:e>
+                              <m:r>
+                                <a:rPr lang="en-US" altLang="zh-CN" b="0" i="1" smtClean="0">
+                                  <a:latin typeface="Cambria Math" panose="02040503050406030204" pitchFamily="18" charset="0"/>
+                                </a:rPr>
+                                <m:t>𝜃</m:t>
+                              </m:r>
+                            </m:e>
+                          </m:func>
+                          <m:r>
+                            <a:rPr lang="en-US" altLang="zh-CN" b="0" i="1" smtClean="0">
+                              <a:latin typeface="Cambria Math" panose="02040503050406030204" pitchFamily="18" charset="0"/>
+                            </a:rPr>
+                            <m:t>+</m:t>
+                          </m:r>
+                          <m:nary>
+                            <m:naryPr>
+                              <m:chr m:val="∑"/>
+                              <m:supHide m:val="on"/>
+                              <m:ctrlPr>
+                                <a:rPr lang="en-US" altLang="zh-CN" b="0" i="1" smtClean="0">
+                                  <a:latin typeface="Cambria Math" panose="02040503050406030204" pitchFamily="18" charset="0"/>
+                                </a:rPr>
+                              </m:ctrlPr>
+                            </m:naryPr>
+                            <m:sub>
+                              <m:r>
+                                <a:rPr lang="en-US" altLang="zh-CN" b="0" i="1" smtClean="0">
+                                  <a:latin typeface="Cambria Math" panose="02040503050406030204" pitchFamily="18" charset="0"/>
+                                </a:rPr>
+                                <m:t>𝑘</m:t>
+                              </m:r>
+                              <m:r>
+                                <a:rPr lang="en-US" altLang="zh-CN" b="0" i="1" smtClean="0">
+                                  <a:latin typeface="Cambria Math" panose="02040503050406030204" pitchFamily="18" charset="0"/>
+                                </a:rPr>
+                                <m:t>′</m:t>
+                              </m:r>
+                            </m:sub>
+                            <m:sup/>
+                            <m:e>
+                              <m:r>
+                                <a:rPr lang="en-US" altLang="zh-CN" b="0" i="1" smtClean="0">
+                                  <a:latin typeface="Cambria Math" panose="02040503050406030204" pitchFamily="18" charset="0"/>
+                                </a:rPr>
+                                <m:t>(</m:t>
+                              </m:r>
+                              <m:sSub>
+                                <m:sSubPr>
+                                  <m:ctrlPr>
+                                    <a:rPr lang="en-US" altLang="zh-CN" b="0" i="1" smtClean="0">
+                                      <a:latin typeface="Cambria Math" panose="02040503050406030204" pitchFamily="18" charset="0"/>
+                                    </a:rPr>
+                                  </m:ctrlPr>
+                                </m:sSubPr>
+                                <m:e>
+                                  <m:r>
+                                    <a:rPr lang="en-US" altLang="zh-CN" b="0" i="1" smtClean="0">
+                                      <a:latin typeface="Cambria Math" panose="02040503050406030204" pitchFamily="18" charset="0"/>
+                                    </a:rPr>
+                                    <m:t>𝑞</m:t>
+                                  </m:r>
+                                </m:e>
+                                <m:sub>
+                                  <m:r>
+                                    <a:rPr lang="en-US" altLang="zh-CN" b="0" i="1" smtClean="0">
+                                      <a:latin typeface="Cambria Math" panose="02040503050406030204" pitchFamily="18" charset="0"/>
+                                    </a:rPr>
+                                    <m:t>𝑘</m:t>
+                                  </m:r>
+                                  <m:r>
+                                    <a:rPr lang="en-US" altLang="zh-CN" b="0" i="1" smtClean="0">
+                                      <a:latin typeface="Cambria Math" panose="02040503050406030204" pitchFamily="18" charset="0"/>
+                                    </a:rPr>
+                                    <m:t>′</m:t>
+                                  </m:r>
+                                </m:sub>
+                              </m:sSub>
+                              <m:r>
+                                <a:rPr lang="en-US" altLang="zh-CN" b="0" i="1" smtClean="0">
+                                  <a:latin typeface="Cambria Math" panose="02040503050406030204" pitchFamily="18" charset="0"/>
+                                </a:rPr>
+                                <m:t>−</m:t>
+                              </m:r>
+                              <m:sSub>
+                                <m:sSubPr>
+                                  <m:ctrlPr>
+                                    <a:rPr lang="en-US" altLang="zh-CN" b="0" i="1" smtClean="0">
+                                      <a:latin typeface="Cambria Math" panose="02040503050406030204" pitchFamily="18" charset="0"/>
+                                    </a:rPr>
+                                  </m:ctrlPr>
+                                </m:sSubPr>
+                                <m:e>
+                                  <m:r>
+                                    <a:rPr lang="en-US" altLang="zh-CN" b="0" i="1" smtClean="0">
+                                      <a:latin typeface="Cambria Math" panose="02040503050406030204" pitchFamily="18" charset="0"/>
+                                    </a:rPr>
+                                    <m:t>𝑏</m:t>
+                                  </m:r>
+                                </m:e>
+                                <m:sub>
+                                  <m:r>
+                                    <a:rPr lang="en-US" altLang="zh-CN" b="0" i="1" smtClean="0">
+                                      <a:latin typeface="Cambria Math" panose="02040503050406030204" pitchFamily="18" charset="0"/>
+                                    </a:rPr>
+                                    <m:t>𝑢</m:t>
+                                  </m:r>
+                                  <m:r>
+                                    <a:rPr lang="en-US" altLang="zh-CN" b="0" i="1" smtClean="0">
+                                      <a:latin typeface="Cambria Math" panose="02040503050406030204" pitchFamily="18" charset="0"/>
+                                    </a:rPr>
+                                    <m:t>,</m:t>
+                                  </m:r>
+                                  <m:r>
+                                    <a:rPr lang="en-US" altLang="zh-CN" b="0" i="1" smtClean="0">
+                                      <a:latin typeface="Cambria Math" panose="02040503050406030204" pitchFamily="18" charset="0"/>
+                                    </a:rPr>
+                                    <m:t>𝑘</m:t>
+                                  </m:r>
+                                  <m:r>
+                                    <a:rPr lang="en-US" altLang="zh-CN" b="0" i="1" smtClean="0">
+                                      <a:latin typeface="Cambria Math" panose="02040503050406030204" pitchFamily="18" charset="0"/>
+                                    </a:rPr>
+                                    <m:t>′</m:t>
+                                  </m:r>
+                                </m:sub>
+                              </m:sSub>
+                              <m:r>
+                                <a:rPr lang="en-US" altLang="zh-CN" b="0" i="1" smtClean="0">
+                                  <a:latin typeface="Cambria Math" panose="02040503050406030204" pitchFamily="18" charset="0"/>
+                                </a:rPr>
+                                <m:t>)</m:t>
+                              </m:r>
+                            </m:e>
+                          </m:nary>
+                          <m:r>
+                            <a:rPr lang="en-US" altLang="zh-CN" b="0" i="1" smtClean="0">
+                              <a:latin typeface="Cambria Math" panose="02040503050406030204" pitchFamily="18" charset="0"/>
+                            </a:rPr>
+                            <m:t>]</m:t>
+                          </m:r>
+                        </m:e>
+                      </m:nary>
+                    </m:oMath>
+                  </m:oMathPara>
+                </a14:m>
+                <a:endParaRPr lang="zh-CN" altLang="en-US" dirty="0"/>
+              </a:p>
+            </p:txBody>
+          </p:sp>
+        </mc:Choice>
+        <mc:Fallback>
+          <p:sp>
+            <p:nvSpPr>
+              <p:cNvPr id="10" name="文本框 9">
+                <a:extLst>
+                  <a:ext uri="{FF2B5EF4-FFF2-40B4-BE49-F238E27FC236}">
+                    <a16:creationId xmlns:a16="http://schemas.microsoft.com/office/drawing/2014/main" id="{B1D13457-7F27-4BA7-B0B3-91D2841A731F}"/>
+                  </a:ext>
+                </a:extLst>
+              </p:cNvPr>
+              <p:cNvSpPr txBox="1">
+                <a:spLocks noRot="1" noChangeAspect="1" noMove="1" noResize="1" noEditPoints="1" noAdjustHandles="1" noChangeArrowheads="1" noChangeShapeType="1" noTextEdit="1"/>
+              </p:cNvSpPr>
+              <p:nvPr/>
+            </p:nvSpPr>
+            <p:spPr>
+              <a:xfrm>
+                <a:off x="3167784" y="4363588"/>
+                <a:ext cx="4922950" cy="672172"/>
+              </a:xfrm>
+              <a:prstGeom prst="rect">
+                <a:avLst/>
+              </a:prstGeom>
+              <a:blipFill>
+                <a:blip r:embed="rId4"/>
+                <a:stretch>
+                  <a:fillRect/>
+                </a:stretch>
+              </a:blipFill>
+            </p:spPr>
+            <p:txBody>
+              <a:bodyPr/>
+              <a:lstStyle/>
+              <a:p>
+                <a:r>
+                  <a:rPr lang="zh-CN" altLang="en-US">
+                    <a:noFill/>
+                  </a:rPr>
+                  <a:t> </a:t>
+                </a:r>
+              </a:p>
+            </p:txBody>
+          </p:sp>
+        </mc:Fallback>
+      </mc:AlternateContent>
+      <p:sp>
+        <p:nvSpPr>
+          <p:cNvPr id="15" name="矩形 14">
+            <a:extLst>
+              <a:ext uri="{FF2B5EF4-FFF2-40B4-BE49-F238E27FC236}">
+                <a16:creationId xmlns:a16="http://schemas.microsoft.com/office/drawing/2014/main" id="{54641CD9-33DE-40F9-BCC5-022AFAEAC34C}"/>
+              </a:ext>
+            </a:extLst>
+          </p:cNvPr>
+          <p:cNvSpPr/>
+          <p:nvPr/>
+        </p:nvSpPr>
+        <p:spPr>
+          <a:xfrm>
+            <a:off x="6286619" y="5084962"/>
+            <a:ext cx="1453731" cy="369332"/>
+          </a:xfrm>
+          <a:prstGeom prst="rect">
+            <a:avLst/>
+          </a:prstGeom>
+        </p:spPr>
+        <p:txBody>
+          <a:bodyPr wrap="none">
+            <a:spAutoFit/>
+          </a:bodyPr>
+          <a:lstStyle/>
+          <a:p>
+            <a:r>
+              <a:rPr lang="en-US" altLang="zh-CN" dirty="0">
+                <a:solidFill>
+                  <a:srgbClr val="92D050"/>
+                </a:solidFill>
+              </a:rPr>
+              <a:t>Lexicographic</a:t>
+            </a:r>
+          </a:p>
+        </p:txBody>
+      </p:sp>
+      <p:cxnSp>
+        <p:nvCxnSpPr>
+          <p:cNvPr id="17" name="直接连接符 16">
+            <a:extLst>
+              <a:ext uri="{FF2B5EF4-FFF2-40B4-BE49-F238E27FC236}">
+                <a16:creationId xmlns:a16="http://schemas.microsoft.com/office/drawing/2014/main" id="{E7E02771-34D0-4685-88E9-CE233869CECF}"/>
+              </a:ext>
+            </a:extLst>
+          </p:cNvPr>
+          <p:cNvCxnSpPr>
+            <a:stCxn id="11" idx="1"/>
+          </p:cNvCxnSpPr>
+          <p:nvPr/>
+        </p:nvCxnSpPr>
+        <p:spPr>
+          <a:xfrm>
+            <a:off x="8741327" y="3504563"/>
+            <a:ext cx="0" cy="951555"/>
+          </a:xfrm>
+          <a:prstGeom prst="line">
+            <a:avLst/>
+          </a:prstGeom>
+          <a:ln w="28575">
+            <a:prstDash val="dashDot"/>
+          </a:ln>
+        </p:spPr>
+        <p:style>
+          <a:lnRef idx="1">
+            <a:schemeClr val="accent1"/>
+          </a:lnRef>
+          <a:fillRef idx="0">
+            <a:schemeClr val="accent1"/>
+          </a:fillRef>
+          <a:effectRef idx="0">
+            <a:schemeClr val="accent1"/>
+          </a:effectRef>
+          <a:fontRef idx="minor">
+            <a:schemeClr val="tx1"/>
+          </a:fontRef>
+        </p:style>
+      </p:cxnSp>
+      <p:cxnSp>
+        <p:nvCxnSpPr>
+          <p:cNvPr id="19" name="直接连接符 18">
+            <a:extLst>
+              <a:ext uri="{FF2B5EF4-FFF2-40B4-BE49-F238E27FC236}">
+                <a16:creationId xmlns:a16="http://schemas.microsoft.com/office/drawing/2014/main" id="{0B522753-FA4A-4E34-8795-26861FCDBA3D}"/>
+              </a:ext>
+            </a:extLst>
+          </p:cNvPr>
+          <p:cNvCxnSpPr/>
+          <p:nvPr/>
+        </p:nvCxnSpPr>
+        <p:spPr>
+          <a:xfrm>
+            <a:off x="8586565" y="3953999"/>
+            <a:ext cx="0" cy="951555"/>
+          </a:xfrm>
+          <a:prstGeom prst="line">
+            <a:avLst/>
+          </a:prstGeom>
+          <a:ln w="28575">
+            <a:prstDash val="dashDot"/>
+          </a:ln>
+        </p:spPr>
+        <p:style>
+          <a:lnRef idx="1">
+            <a:schemeClr val="accent1"/>
+          </a:lnRef>
+          <a:fillRef idx="0">
+            <a:schemeClr val="accent1"/>
+          </a:fillRef>
+          <a:effectRef idx="0">
+            <a:schemeClr val="accent1"/>
+          </a:effectRef>
+          <a:fontRef idx="minor">
+            <a:schemeClr val="tx1"/>
+          </a:fontRef>
+        </p:style>
+      </p:cxnSp>
+      <p:sp>
+        <p:nvSpPr>
+          <p:cNvPr id="21" name="矩形 20">
+            <a:extLst>
+              <a:ext uri="{FF2B5EF4-FFF2-40B4-BE49-F238E27FC236}">
+                <a16:creationId xmlns:a16="http://schemas.microsoft.com/office/drawing/2014/main" id="{8A8F788B-332B-4CC3-8E8C-B3ECFA100A8D}"/>
+              </a:ext>
+            </a:extLst>
+          </p:cNvPr>
+          <p:cNvSpPr/>
+          <p:nvPr/>
+        </p:nvSpPr>
+        <p:spPr>
+          <a:xfrm>
+            <a:off x="1747885" y="5234479"/>
+            <a:ext cx="7385056" cy="1200329"/>
+          </a:xfrm>
+          <a:prstGeom prst="rect">
+            <a:avLst/>
+          </a:prstGeom>
+        </p:spPr>
+        <p:txBody>
+          <a:bodyPr wrap="square">
+            <a:spAutoFit/>
+          </a:bodyPr>
+          <a:lstStyle/>
+          <a:p>
+            <a:pPr marL="285750" indent="-285750">
+              <a:buFont typeface="Arial" panose="020B0604020202020204" pitchFamily="34" charset="0"/>
+              <a:buChar char="•"/>
+            </a:pPr>
+            <a:r>
+              <a:rPr lang="en-US" altLang="zh-CN" dirty="0">
+                <a:solidFill>
+                  <a:srgbClr val="FF0000"/>
+                </a:solidFill>
+              </a:rPr>
+              <a:t>Combination of 2 rules</a:t>
+            </a:r>
+          </a:p>
+          <a:p>
+            <a:pPr marL="285750" indent="-285750">
+              <a:buFont typeface="Arial" panose="020B0604020202020204" pitchFamily="34" charset="0"/>
+              <a:buChar char="•"/>
+            </a:pPr>
+            <a:r>
+              <a:rPr lang="en-US" altLang="zh-CN" dirty="0">
+                <a:solidFill>
+                  <a:srgbClr val="FF0000"/>
+                </a:solidFill>
+              </a:rPr>
+              <a:t>Realization to rating and ranking models</a:t>
+            </a:r>
+          </a:p>
+          <a:p>
+            <a:pPr marL="285750" indent="-285750">
+              <a:buFont typeface="Arial" panose="020B0604020202020204" pitchFamily="34" charset="0"/>
+              <a:buChar char="•"/>
+            </a:pPr>
+            <a:r>
+              <a:rPr lang="en-US" altLang="zh-CN" dirty="0">
+                <a:solidFill>
+                  <a:srgbClr val="FF0000"/>
+                </a:solidFill>
+              </a:rPr>
+              <a:t>Universally improve recommendation performance for different existing models on a variety of data sets</a:t>
+            </a:r>
+          </a:p>
+        </p:txBody>
+      </p:sp>
+      <p:sp>
+        <p:nvSpPr>
+          <p:cNvPr id="22" name="文本框 21">
+            <a:extLst>
+              <a:ext uri="{FF2B5EF4-FFF2-40B4-BE49-F238E27FC236}">
+                <a16:creationId xmlns:a16="http://schemas.microsoft.com/office/drawing/2014/main" id="{DBB53ECB-1137-4A6C-85CC-DA0979B722D0}"/>
+              </a:ext>
+            </a:extLst>
+          </p:cNvPr>
+          <p:cNvSpPr txBox="1"/>
+          <p:nvPr/>
+        </p:nvSpPr>
+        <p:spPr>
+          <a:xfrm>
+            <a:off x="7680168" y="3072463"/>
+            <a:ext cx="2056833" cy="369332"/>
+          </a:xfrm>
+          <a:prstGeom prst="rect">
+            <a:avLst/>
+          </a:prstGeom>
+          <a:noFill/>
+        </p:spPr>
+        <p:txBody>
+          <a:bodyPr wrap="square" rtlCol="0">
+            <a:spAutoFit/>
+          </a:bodyPr>
+          <a:lstStyle/>
+          <a:p>
+            <a:r>
+              <a:rPr lang="en-US" altLang="zh-CN" dirty="0">
+                <a:solidFill>
+                  <a:srgbClr val="0070C0"/>
+                </a:solidFill>
+              </a:rPr>
+              <a:t>Cut-off point</a:t>
+            </a:r>
+            <a:endParaRPr lang="zh-CN" altLang="en-US" dirty="0">
+              <a:solidFill>
+                <a:srgbClr val="0070C0"/>
+              </a:solidFill>
+            </a:endParaRPr>
+          </a:p>
+        </p:txBody>
+      </p:sp>
+      <p:sp>
+        <p:nvSpPr>
+          <p:cNvPr id="23" name="文本框 22">
+            <a:extLst>
+              <a:ext uri="{FF2B5EF4-FFF2-40B4-BE49-F238E27FC236}">
+                <a16:creationId xmlns:a16="http://schemas.microsoft.com/office/drawing/2014/main" id="{AA80C98A-EED2-481E-99F0-A04D80F375DB}"/>
+              </a:ext>
+            </a:extLst>
+          </p:cNvPr>
+          <p:cNvSpPr txBox="1"/>
+          <p:nvPr/>
+        </p:nvSpPr>
+        <p:spPr>
+          <a:xfrm>
+            <a:off x="7380312" y="5504935"/>
+            <a:ext cx="2056833" cy="369332"/>
+          </a:xfrm>
+          <a:prstGeom prst="rect">
+            <a:avLst/>
+          </a:prstGeom>
+          <a:noFill/>
+        </p:spPr>
+        <p:txBody>
+          <a:bodyPr wrap="square" rtlCol="0">
+            <a:spAutoFit/>
+          </a:bodyPr>
+          <a:lstStyle/>
+          <a:p>
+            <a:r>
+              <a:rPr lang="en-US" altLang="zh-CN" dirty="0">
+                <a:solidFill>
+                  <a:srgbClr val="92D050"/>
+                </a:solidFill>
+              </a:rPr>
+              <a:t>Prominent aspect</a:t>
+            </a:r>
+            <a:endParaRPr lang="zh-CN" altLang="en-US" dirty="0">
+              <a:solidFill>
+                <a:srgbClr val="92D050"/>
+              </a:solidFill>
+            </a:endParaRPr>
+          </a:p>
+        </p:txBody>
+      </p:sp>
+      <p:cxnSp>
+        <p:nvCxnSpPr>
+          <p:cNvPr id="24" name="连接符: 曲线 23">
+            <a:extLst>
+              <a:ext uri="{FF2B5EF4-FFF2-40B4-BE49-F238E27FC236}">
+                <a16:creationId xmlns:a16="http://schemas.microsoft.com/office/drawing/2014/main" id="{AA654EBF-3DBD-4666-9227-D218BE5A9FE3}"/>
+              </a:ext>
+            </a:extLst>
+          </p:cNvPr>
+          <p:cNvCxnSpPr>
+            <a:cxnSpLocks/>
+            <a:stCxn id="23" idx="1"/>
+          </p:cNvCxnSpPr>
+          <p:nvPr/>
+        </p:nvCxnSpPr>
+        <p:spPr>
+          <a:xfrm rot="10800000">
+            <a:off x="4860034" y="5035761"/>
+            <a:ext cx="2520278" cy="653840"/>
+          </a:xfrm>
+          <a:prstGeom prst="curvedConnector3">
+            <a:avLst>
+              <a:gd name="adj1" fmla="val 50000"/>
+            </a:avLst>
+          </a:prstGeom>
+          <a:ln>
+            <a:solidFill>
+              <a:srgbClr val="92D050"/>
+            </a:solidFill>
+            <a:tailEnd type="triangle"/>
+          </a:ln>
+        </p:spPr>
+        <p:style>
+          <a:lnRef idx="1">
+            <a:schemeClr val="accent1"/>
+          </a:lnRef>
+          <a:fillRef idx="0">
+            <a:schemeClr val="accent1"/>
+          </a:fillRef>
+          <a:effectRef idx="0">
+            <a:schemeClr val="accent1"/>
+          </a:effectRef>
+          <a:fontRef idx="minor">
+            <a:schemeClr val="tx1"/>
+          </a:fontRef>
+        </p:style>
+      </p:cxnSp>
+      <p:cxnSp>
+        <p:nvCxnSpPr>
+          <p:cNvPr id="27" name="连接符: 曲线 26">
+            <a:extLst>
+              <a:ext uri="{FF2B5EF4-FFF2-40B4-BE49-F238E27FC236}">
+                <a16:creationId xmlns:a16="http://schemas.microsoft.com/office/drawing/2014/main" id="{C2069B62-3823-4324-A793-618A5C87D71E}"/>
+              </a:ext>
+            </a:extLst>
+          </p:cNvPr>
+          <p:cNvCxnSpPr/>
+          <p:nvPr/>
+        </p:nvCxnSpPr>
+        <p:spPr>
+          <a:xfrm rot="5400000">
+            <a:off x="7453973" y="3593922"/>
+            <a:ext cx="1106883" cy="802628"/>
+          </a:xfrm>
+          <a:prstGeom prst="curvedConnector3">
+            <a:avLst/>
+          </a:prstGeom>
+          <a:ln>
+            <a:tailEnd type="triangle"/>
+          </a:ln>
+        </p:spPr>
+        <p:style>
+          <a:lnRef idx="1">
+            <a:schemeClr val="accent1"/>
+          </a:lnRef>
+          <a:fillRef idx="0">
+            <a:schemeClr val="accent1"/>
+          </a:fillRef>
+          <a:effectRef idx="0">
+            <a:schemeClr val="accent1"/>
+          </a:effectRef>
+          <a:fontRef idx="minor">
+            <a:schemeClr val="tx1"/>
+          </a:fontRef>
+        </p:style>
+      </p:cxnSp>
+      <p:pic>
+        <p:nvPicPr>
+          <p:cNvPr id="34" name="Picture 2" descr="D:\MyResearch\MyManuscripts\0Psychological\0Psychological\cameraready\spotlight presentation\AAAI.png">
+            <a:extLst>
+              <a:ext uri="{FF2B5EF4-FFF2-40B4-BE49-F238E27FC236}">
+                <a16:creationId xmlns:a16="http://schemas.microsoft.com/office/drawing/2014/main" id="{5F1B684A-5CEC-46B0-85E8-6A78C5D448A1}"/>
+              </a:ext>
+            </a:extLst>
+          </p:cNvPr>
+          <p:cNvPicPr>
+            <a:picLocks noChangeAspect="1" noChangeArrowheads="1"/>
+          </p:cNvPicPr>
+          <p:nvPr/>
+        </p:nvPicPr>
+        <p:blipFill>
+          <a:blip r:embed="rId5" cstate="print"/>
+          <a:srcRect/>
+          <a:stretch>
+            <a:fillRect/>
+          </a:stretch>
+        </p:blipFill>
+        <p:spPr bwMode="auto">
+          <a:xfrm>
+            <a:off x="0" y="0"/>
+            <a:ext cx="9144000" cy="2116667"/>
+          </a:xfrm>
+          <a:prstGeom prst="rect">
+            <a:avLst/>
+          </a:prstGeom>
+          <a:noFill/>
+        </p:spPr>
+      </p:pic>
     </p:spTree>
+    <p:extLst>
+      <p:ext uri="{BB962C8B-B14F-4D97-AF65-F5344CB8AC3E}">
+        <p14:creationId xmlns:p14="http://schemas.microsoft.com/office/powerpoint/2010/main" val="937790990"/>
+      </p:ext>
+    </p:extLst>
   </p:cSld>
   <p:clrMapOvr>
     <a:masterClrMapping/>
